--- a/asset/Learn_ja/ITA-base_practice_ja.pptx
+++ b/asset/Learn_ja/ITA-base_practice_ja.pptx
@@ -336,7 +336,7 @@
               <a:rPr kumimoji="1" lang="ja-JP" altLang="en-US" smtClean="0">
                 <a:ea typeface="メイリオ" panose="020B0604030504040204" pitchFamily="50" charset="-128"/>
               </a:rPr>
-              <a:t>2019/7/22</a:t>
+              <a:t>2019/11/28</a:t>
             </a:fld>
             <a:endParaRPr kumimoji="1" lang="ja-JP" altLang="en-US" dirty="0">
               <a:ea typeface="メイリオ" panose="020B0604030504040204" pitchFamily="50" charset="-128"/>
@@ -482,7 +482,7 @@
             <a:fld id="{4B26993D-C081-44EB-B0F5-A9F467792B62}" type="datetimeFigureOut">
               <a:rPr lang="ja-JP" altLang="en-US" smtClean="0"/>
               <a:pPr/>
-              <a:t>2019/7/22</a:t>
+              <a:t>2019/11/28</a:t>
             </a:fld>
             <a:endParaRPr lang="ja-JP" altLang="en-US" dirty="0"/>
           </a:p>
@@ -2744,7 +2744,7 @@
           <a:p>
             <a:fld id="{56F9016B-CCA6-43BE-8BEE-59565A35F4F7}" type="datetimeFigureOut">
               <a:rPr kumimoji="1" lang="ja-JP" altLang="en-US" smtClean="0"/>
-              <a:t>2019/7/22</a:t>
+              <a:t>2019/11/28</a:t>
             </a:fld>
             <a:endParaRPr kumimoji="1" lang="ja-JP" altLang="en-US"/>
           </a:p>
@@ -2946,7 +2946,7 @@
           <a:p>
             <a:fld id="{56F9016B-CCA6-43BE-8BEE-59565A35F4F7}" type="datetimeFigureOut">
               <a:rPr kumimoji="1" lang="ja-JP" altLang="en-US" smtClean="0"/>
-              <a:t>2019/7/22</a:t>
+              <a:t>2019/11/28</a:t>
             </a:fld>
             <a:endParaRPr kumimoji="1" lang="ja-JP" altLang="en-US"/>
           </a:p>
@@ -3192,7 +3192,7 @@
           <a:p>
             <a:fld id="{56F9016B-CCA6-43BE-8BEE-59565A35F4F7}" type="datetimeFigureOut">
               <a:rPr kumimoji="1" lang="ja-JP" altLang="en-US" smtClean="0"/>
-              <a:t>2019/7/22</a:t>
+              <a:t>2019/11/28</a:t>
             </a:fld>
             <a:endParaRPr kumimoji="1" lang="ja-JP" altLang="en-US"/>
           </a:p>
@@ -3488,7 +3488,7 @@
           <a:p>
             <a:fld id="{56F9016B-CCA6-43BE-8BEE-59565A35F4F7}" type="datetimeFigureOut">
               <a:rPr kumimoji="1" lang="ja-JP" altLang="en-US" smtClean="0"/>
-              <a:t>2019/7/22</a:t>
+              <a:t>2019/11/28</a:t>
             </a:fld>
             <a:endParaRPr kumimoji="1" lang="ja-JP" altLang="en-US"/>
           </a:p>
@@ -3919,7 +3919,7 @@
           <a:p>
             <a:fld id="{56F9016B-CCA6-43BE-8BEE-59565A35F4F7}" type="datetimeFigureOut">
               <a:rPr kumimoji="1" lang="ja-JP" altLang="en-US" smtClean="0"/>
-              <a:t>2019/7/22</a:t>
+              <a:t>2019/11/28</a:t>
             </a:fld>
             <a:endParaRPr kumimoji="1" lang="ja-JP" altLang="en-US"/>
           </a:p>
@@ -4037,7 +4037,7 @@
           <a:p>
             <a:fld id="{56F9016B-CCA6-43BE-8BEE-59565A35F4F7}" type="datetimeFigureOut">
               <a:rPr kumimoji="1" lang="ja-JP" altLang="en-US" smtClean="0"/>
-              <a:t>2019/7/22</a:t>
+              <a:t>2019/11/28</a:t>
             </a:fld>
             <a:endParaRPr kumimoji="1" lang="ja-JP" altLang="en-US"/>
           </a:p>
@@ -4132,7 +4132,7 @@
           <a:p>
             <a:fld id="{56F9016B-CCA6-43BE-8BEE-59565A35F4F7}" type="datetimeFigureOut">
               <a:rPr kumimoji="1" lang="ja-JP" altLang="en-US" smtClean="0"/>
-              <a:t>2019/7/22</a:t>
+              <a:t>2019/11/28</a:t>
             </a:fld>
             <a:endParaRPr kumimoji="1" lang="ja-JP" altLang="en-US"/>
           </a:p>
@@ -4441,7 +4441,7 @@
           <a:p>
             <a:fld id="{56F9016B-CCA6-43BE-8BEE-59565A35F4F7}" type="datetimeFigureOut">
               <a:rPr kumimoji="1" lang="ja-JP" altLang="en-US" smtClean="0"/>
-              <a:t>2019/7/22</a:t>
+              <a:t>2019/11/28</a:t>
             </a:fld>
             <a:endParaRPr kumimoji="1" lang="ja-JP" altLang="en-US"/>
           </a:p>
@@ -4694,7 +4694,7 @@
           <a:p>
             <a:fld id="{56F9016B-CCA6-43BE-8BEE-59565A35F4F7}" type="datetimeFigureOut">
               <a:rPr kumimoji="1" lang="ja-JP" altLang="en-US" smtClean="0"/>
-              <a:t>2019/7/22</a:t>
+              <a:t>2019/11/28</a:t>
             </a:fld>
             <a:endParaRPr kumimoji="1" lang="ja-JP" altLang="en-US"/>
           </a:p>
@@ -4971,7 +4971,7 @@
           <a:p>
             <a:fld id="{56F9016B-CCA6-43BE-8BEE-59565A35F4F7}" type="datetimeFigureOut">
               <a:rPr kumimoji="1" lang="ja-JP" altLang="en-US" smtClean="0"/>
-              <a:t>2019/7/22</a:t>
+              <a:t>2019/11/28</a:t>
             </a:fld>
             <a:endParaRPr kumimoji="1" lang="ja-JP" altLang="en-US"/>
           </a:p>
@@ -5183,7 +5183,7 @@
           <a:p>
             <a:fld id="{56F9016B-CCA6-43BE-8BEE-59565A35F4F7}" type="datetimeFigureOut">
               <a:rPr kumimoji="1" lang="ja-JP" altLang="en-US" smtClean="0"/>
-              <a:t>2019/7/22</a:t>
+              <a:t>2019/11/28</a:t>
             </a:fld>
             <a:endParaRPr kumimoji="1" lang="ja-JP" altLang="en-US"/>
           </a:p>
@@ -8242,7 +8242,7 @@
           <a:p>
             <a:fld id="{56F9016B-CCA6-43BE-8BEE-59565A35F4F7}" type="datetimeFigureOut">
               <a:rPr kumimoji="1" lang="ja-JP" altLang="en-US" smtClean="0"/>
-              <a:t>2019/7/22</a:t>
+              <a:t>2019/11/28</a:t>
             </a:fld>
             <a:endParaRPr kumimoji="1" lang="ja-JP" altLang="en-US"/>
           </a:p>
@@ -8680,7 +8680,7 @@
             </a:r>
             <a:r>
               <a:rPr lang="en-US" altLang="ja-JP" dirty="0" smtClean="0"/>
-              <a:t>1.1</a:t>
+              <a:t>1.2</a:t>
             </a:r>
             <a:r>
               <a:rPr lang="ja-JP" altLang="en-US" dirty="0" smtClean="0"/>
@@ -17193,12 +17193,20 @@
               <a:t>: </a:t>
             </a:r>
             <a:r>
+              <a:rPr lang="en-US" altLang="ja-JP" sz="1400" dirty="0" smtClean="0">
+                <a:solidFill>
+                  <a:srgbClr val="FF0000"/>
+                </a:solidFill>
+              </a:rPr>
+              <a:t>”/tmp/{{ </a:t>
+            </a:r>
+            <a:r>
               <a:rPr lang="en-US" altLang="ja-JP" sz="1400" dirty="0">
                 <a:solidFill>
                   <a:srgbClr val="FF0000"/>
                 </a:solidFill>
               </a:rPr>
-              <a:t>/tmp/"{{ VAR_DIRECTORY }}"</a:t>
+              <a:t>VAR_DIRECTORY </a:t>
             </a:r>
             <a:r>
               <a:rPr lang="en-US" altLang="ja-JP" sz="1400" dirty="0" smtClean="0">
@@ -17206,7 +17214,7 @@
                   <a:srgbClr val="FF0000"/>
                 </a:solidFill>
               </a:rPr>
-              <a:t/>
+              <a:t>}}”</a:t>
             </a:r>
             <a:br>
               <a:rPr lang="en-US" altLang="ja-JP" sz="1400" dirty="0" smtClean="0">

--- a/asset/Learn_ja/ITA-base_practice_ja.pptx
+++ b/asset/Learn_ja/ITA-base_practice_ja.pptx
@@ -336,7 +336,7 @@
               <a:rPr kumimoji="1" lang="ja-JP" altLang="en-US" smtClean="0">
                 <a:ea typeface="メイリオ" panose="020B0604030504040204" pitchFamily="50" charset="-128"/>
               </a:rPr>
-              <a:t>2020/9/10</a:t>
+              <a:t>2021/2/4</a:t>
             </a:fld>
             <a:endParaRPr kumimoji="1" lang="ja-JP" altLang="en-US" dirty="0">
               <a:ea typeface="メイリオ" panose="020B0604030504040204" pitchFamily="50" charset="-128"/>
@@ -482,7 +482,7 @@
             <a:fld id="{4B26993D-C081-44EB-B0F5-A9F467792B62}" type="datetimeFigureOut">
               <a:rPr lang="ja-JP" altLang="en-US" smtClean="0"/>
               <a:pPr/>
-              <a:t>2020/9/10</a:t>
+              <a:t>2021/2/4</a:t>
             </a:fld>
             <a:endParaRPr lang="ja-JP" altLang="en-US" dirty="0"/>
           </a:p>
@@ -2744,7 +2744,7 @@
           <a:p>
             <a:fld id="{56F9016B-CCA6-43BE-8BEE-59565A35F4F7}" type="datetimeFigureOut">
               <a:rPr kumimoji="1" lang="ja-JP" altLang="en-US" smtClean="0"/>
-              <a:t>2020/9/10</a:t>
+              <a:t>2021/2/4</a:t>
             </a:fld>
             <a:endParaRPr kumimoji="1" lang="ja-JP" altLang="en-US"/>
           </a:p>
@@ -2946,7 +2946,7 @@
           <a:p>
             <a:fld id="{56F9016B-CCA6-43BE-8BEE-59565A35F4F7}" type="datetimeFigureOut">
               <a:rPr kumimoji="1" lang="ja-JP" altLang="en-US" smtClean="0"/>
-              <a:t>2020/9/10</a:t>
+              <a:t>2021/2/4</a:t>
             </a:fld>
             <a:endParaRPr kumimoji="1" lang="ja-JP" altLang="en-US"/>
           </a:p>
@@ -3192,7 +3192,7 @@
           <a:p>
             <a:fld id="{56F9016B-CCA6-43BE-8BEE-59565A35F4F7}" type="datetimeFigureOut">
               <a:rPr kumimoji="1" lang="ja-JP" altLang="en-US" smtClean="0"/>
-              <a:t>2020/9/10</a:t>
+              <a:t>2021/2/4</a:t>
             </a:fld>
             <a:endParaRPr kumimoji="1" lang="ja-JP" altLang="en-US"/>
           </a:p>
@@ -3488,7 +3488,7 @@
           <a:p>
             <a:fld id="{56F9016B-CCA6-43BE-8BEE-59565A35F4F7}" type="datetimeFigureOut">
               <a:rPr kumimoji="1" lang="ja-JP" altLang="en-US" smtClean="0"/>
-              <a:t>2020/9/10</a:t>
+              <a:t>2021/2/4</a:t>
             </a:fld>
             <a:endParaRPr kumimoji="1" lang="ja-JP" altLang="en-US"/>
           </a:p>
@@ -3919,7 +3919,7 @@
           <a:p>
             <a:fld id="{56F9016B-CCA6-43BE-8BEE-59565A35F4F7}" type="datetimeFigureOut">
               <a:rPr kumimoji="1" lang="ja-JP" altLang="en-US" smtClean="0"/>
-              <a:t>2020/9/10</a:t>
+              <a:t>2021/2/4</a:t>
             </a:fld>
             <a:endParaRPr kumimoji="1" lang="ja-JP" altLang="en-US"/>
           </a:p>
@@ -4037,7 +4037,7 @@
           <a:p>
             <a:fld id="{56F9016B-CCA6-43BE-8BEE-59565A35F4F7}" type="datetimeFigureOut">
               <a:rPr kumimoji="1" lang="ja-JP" altLang="en-US" smtClean="0"/>
-              <a:t>2020/9/10</a:t>
+              <a:t>2021/2/4</a:t>
             </a:fld>
             <a:endParaRPr kumimoji="1" lang="ja-JP" altLang="en-US"/>
           </a:p>
@@ -4132,7 +4132,7 @@
           <a:p>
             <a:fld id="{56F9016B-CCA6-43BE-8BEE-59565A35F4F7}" type="datetimeFigureOut">
               <a:rPr kumimoji="1" lang="ja-JP" altLang="en-US" smtClean="0"/>
-              <a:t>2020/9/10</a:t>
+              <a:t>2021/2/4</a:t>
             </a:fld>
             <a:endParaRPr kumimoji="1" lang="ja-JP" altLang="en-US"/>
           </a:p>
@@ -4441,7 +4441,7 @@
           <a:p>
             <a:fld id="{56F9016B-CCA6-43BE-8BEE-59565A35F4F7}" type="datetimeFigureOut">
               <a:rPr kumimoji="1" lang="ja-JP" altLang="en-US" smtClean="0"/>
-              <a:t>2020/9/10</a:t>
+              <a:t>2021/2/4</a:t>
             </a:fld>
             <a:endParaRPr kumimoji="1" lang="ja-JP" altLang="en-US"/>
           </a:p>
@@ -4694,7 +4694,7 @@
           <a:p>
             <a:fld id="{56F9016B-CCA6-43BE-8BEE-59565A35F4F7}" type="datetimeFigureOut">
               <a:rPr kumimoji="1" lang="ja-JP" altLang="en-US" smtClean="0"/>
-              <a:t>2020/9/10</a:t>
+              <a:t>2021/2/4</a:t>
             </a:fld>
             <a:endParaRPr kumimoji="1" lang="ja-JP" altLang="en-US"/>
           </a:p>
@@ -4971,7 +4971,7 @@
           <a:p>
             <a:fld id="{56F9016B-CCA6-43BE-8BEE-59565A35F4F7}" type="datetimeFigureOut">
               <a:rPr kumimoji="1" lang="ja-JP" altLang="en-US" smtClean="0"/>
-              <a:t>2020/9/10</a:t>
+              <a:t>2021/2/4</a:t>
             </a:fld>
             <a:endParaRPr kumimoji="1" lang="ja-JP" altLang="en-US"/>
           </a:p>
@@ -5183,7 +5183,7 @@
           <a:p>
             <a:fld id="{56F9016B-CCA6-43BE-8BEE-59565A35F4F7}" type="datetimeFigureOut">
               <a:rPr kumimoji="1" lang="ja-JP" altLang="en-US" smtClean="0"/>
-              <a:t>2020/9/10</a:t>
+              <a:t>2021/2/4</a:t>
             </a:fld>
             <a:endParaRPr kumimoji="1" lang="ja-JP" altLang="en-US"/>
           </a:p>
@@ -8242,7 +8242,7 @@
           <a:p>
             <a:fld id="{56F9016B-CCA6-43BE-8BEE-59565A35F4F7}" type="datetimeFigureOut">
               <a:rPr kumimoji="1" lang="ja-JP" altLang="en-US" smtClean="0"/>
-              <a:t>2020/9/10</a:t>
+              <a:t>2021/2/4</a:t>
             </a:fld>
             <a:endParaRPr kumimoji="1" lang="ja-JP" altLang="en-US"/>
           </a:p>
@@ -13241,28 +13241,22 @@
       </p:grpSpPr>
       <p:pic>
         <p:nvPicPr>
-          <p:cNvPr id="6" name="図 5"/>
+          <p:cNvPr id="5" name="図 4"/>
           <p:cNvPicPr>
             <a:picLocks noChangeAspect="1"/>
           </p:cNvPicPr>
           <p:nvPr/>
         </p:nvPicPr>
         <p:blipFill>
-          <a:blip r:embed="rId2">
-            <a:extLst>
-              <a:ext uri="{28A0092B-C50C-407E-A947-70E740481C1C}">
-                <a14:useLocalDpi xmlns:a14="http://schemas.microsoft.com/office/drawing/2010/main" val="0"/>
-              </a:ext>
-            </a:extLst>
-          </a:blip>
+          <a:blip r:embed="rId2"/>
           <a:stretch>
             <a:fillRect/>
           </a:stretch>
         </p:blipFill>
         <p:spPr>
           <a:xfrm>
-            <a:off x="446531" y="1939237"/>
-            <a:ext cx="6201915" cy="3434033"/>
+            <a:off x="251400" y="1849610"/>
+            <a:ext cx="6200775" cy="3429000"/>
           </a:xfrm>
           <a:prstGeom prst="rect">
             <a:avLst/>
@@ -14436,6 +14430,30 @@
           <a:chExt cx="0" cy="0"/>
         </a:xfrm>
       </p:grpSpPr>
+      <p:pic>
+        <p:nvPicPr>
+          <p:cNvPr id="5" name="図 4"/>
+          <p:cNvPicPr>
+            <a:picLocks noChangeAspect="1"/>
+          </p:cNvPicPr>
+          <p:nvPr/>
+        </p:nvPicPr>
+        <p:blipFill>
+          <a:blip r:embed="rId2"/>
+          <a:stretch>
+            <a:fillRect/>
+          </a:stretch>
+        </p:blipFill>
+        <p:spPr>
+          <a:xfrm>
+            <a:off x="884934" y="1995297"/>
+            <a:ext cx="5334000" cy="4238625"/>
+          </a:xfrm>
+          <a:prstGeom prst="rect">
+            <a:avLst/>
+          </a:prstGeom>
+        </p:spPr>
+      </p:pic>
       <p:sp>
         <p:nvSpPr>
           <p:cNvPr id="2" name="タイトル 1"/>
@@ -14571,35 +14589,6 @@
           </a:p>
         </p:txBody>
       </p:sp>
-      <p:pic>
-        <p:nvPicPr>
-          <p:cNvPr id="4" name="図 3"/>
-          <p:cNvPicPr>
-            <a:picLocks noChangeAspect="1"/>
-          </p:cNvPicPr>
-          <p:nvPr/>
-        </p:nvPicPr>
-        <p:blipFill rotWithShape="1">
-          <a:blip r:embed="rId2">
-            <a:extLst>
-              <a:ext uri="{28A0092B-C50C-407E-A947-70E740481C1C}">
-                <a14:useLocalDpi xmlns:a14="http://schemas.microsoft.com/office/drawing/2010/main" val="0"/>
-              </a:ext>
-            </a:extLst>
-          </a:blip>
-          <a:srcRect r="28102"/>
-          <a:stretch/>
-        </p:blipFill>
-        <p:spPr>
-          <a:xfrm>
-            <a:off x="897801" y="2011525"/>
-            <a:ext cx="5332477" cy="4241598"/>
-          </a:xfrm>
-          <a:prstGeom prst="rect">
-            <a:avLst/>
-          </a:prstGeom>
-        </p:spPr>
-      </p:pic>
       <p:sp>
         <p:nvSpPr>
           <p:cNvPr id="12" name="角丸四角形 11"/>
@@ -37754,6 +37743,30 @@
           <a:chExt cx="0" cy="0"/>
         </a:xfrm>
       </p:grpSpPr>
+      <p:pic>
+        <p:nvPicPr>
+          <p:cNvPr id="3" name="図 2"/>
+          <p:cNvPicPr>
+            <a:picLocks noChangeAspect="1"/>
+          </p:cNvPicPr>
+          <p:nvPr/>
+        </p:nvPicPr>
+        <p:blipFill>
+          <a:blip r:embed="rId3"/>
+          <a:stretch>
+            <a:fillRect/>
+          </a:stretch>
+        </p:blipFill>
+        <p:spPr>
+          <a:xfrm>
+            <a:off x="776522" y="2505031"/>
+            <a:ext cx="2981308" cy="3415984"/>
+          </a:xfrm>
+          <a:prstGeom prst="rect">
+            <a:avLst/>
+          </a:prstGeom>
+        </p:spPr>
+      </p:pic>
       <p:sp>
         <p:nvSpPr>
           <p:cNvPr id="2" name="タイトル 1"/>
@@ -37976,36 +37989,6 @@
           </a:p>
         </p:txBody>
       </p:sp>
-      <p:pic>
-        <p:nvPicPr>
-          <p:cNvPr id="11" name="図 10"/>
-          <p:cNvPicPr>
-            <a:picLocks noChangeAspect="1"/>
-          </p:cNvPicPr>
-          <p:nvPr/>
-        </p:nvPicPr>
-        <p:blipFill>
-          <a:blip r:embed="rId3">
-            <a:extLst>
-              <a:ext uri="{28A0092B-C50C-407E-A947-70E740481C1C}">
-                <a14:useLocalDpi xmlns:a14="http://schemas.microsoft.com/office/drawing/2010/main" val="0"/>
-              </a:ext>
-            </a:extLst>
-          </a:blip>
-          <a:stretch>
-            <a:fillRect/>
-          </a:stretch>
-        </p:blipFill>
-        <p:spPr>
-          <a:xfrm>
-            <a:off x="755470" y="2444097"/>
-            <a:ext cx="3019912" cy="3465058"/>
-          </a:xfrm>
-          <a:prstGeom prst="rect">
-            <a:avLst/>
-          </a:prstGeom>
-        </p:spPr>
-      </p:pic>
       <p:sp>
         <p:nvSpPr>
           <p:cNvPr id="5" name="角丸四角形 4"/>
@@ -38014,8 +37997,8 @@
         </p:nvSpPr>
         <p:spPr bwMode="auto">
           <a:xfrm>
-            <a:off x="801408" y="3801467"/>
-            <a:ext cx="936000" cy="144000"/>
+            <a:off x="801408" y="3858169"/>
+            <a:ext cx="936000" cy="130909"/>
           </a:xfrm>
           <a:prstGeom prst="roundRect">
             <a:avLst>
@@ -39584,8 +39567,8 @@
         </p:nvSpPr>
         <p:spPr bwMode="auto">
           <a:xfrm>
-            <a:off x="1878422" y="3431387"/>
-            <a:ext cx="2556000" cy="992502"/>
+            <a:off x="1878422" y="3526657"/>
+            <a:ext cx="2556000" cy="902275"/>
           </a:xfrm>
           <a:prstGeom prst="roundRect">
             <a:avLst>
@@ -39630,8 +39613,8 @@
         </p:nvSpPr>
         <p:spPr bwMode="auto">
           <a:xfrm>
-            <a:off x="1831111" y="3401704"/>
-            <a:ext cx="301542" cy="312200"/>
+            <a:off x="1831111" y="3466051"/>
+            <a:ext cx="301542" cy="283818"/>
           </a:xfrm>
           <a:prstGeom prst="wedgeEllipseCallout">
             <a:avLst>
@@ -39690,13 +39673,13 @@
           <p:nvPr>
             <p:extLst>
               <p:ext uri="{D42A27DB-BD31-4B8C-83A1-F6EECF244321}">
-                <p14:modId xmlns:p14="http://schemas.microsoft.com/office/powerpoint/2010/main" val="1569805674"/>
+                <p14:modId xmlns:p14="http://schemas.microsoft.com/office/powerpoint/2010/main" val="1202550189"/>
               </p:ext>
             </p:extLst>
           </p:nvPr>
         </p:nvGraphicFramePr>
         <p:xfrm>
-          <a:off x="2042642" y="3775156"/>
+          <a:off x="2042642" y="3845262"/>
           <a:ext cx="2298002" cy="548640"/>
         </p:xfrm>
         <a:graphic>

--- a/asset/Learn_ja/ITA-base_practice_ja.pptx
+++ b/asset/Learn_ja/ITA-base_practice_ja.pptx
@@ -336,7 +336,7 @@
               <a:rPr kumimoji="1" lang="ja-JP" altLang="en-US" smtClean="0">
                 <a:ea typeface="メイリオ" panose="020B0604030504040204" pitchFamily="50" charset="-128"/>
               </a:rPr>
-              <a:t>2019/11/28</a:t>
+              <a:t>2021/3/2</a:t>
             </a:fld>
             <a:endParaRPr kumimoji="1" lang="ja-JP" altLang="en-US" dirty="0">
               <a:ea typeface="メイリオ" panose="020B0604030504040204" pitchFamily="50" charset="-128"/>
@@ -482,7 +482,7 @@
             <a:fld id="{4B26993D-C081-44EB-B0F5-A9F467792B62}" type="datetimeFigureOut">
               <a:rPr lang="ja-JP" altLang="en-US" smtClean="0"/>
               <a:pPr/>
-              <a:t>2019/11/28</a:t>
+              <a:t>2021/3/2</a:t>
             </a:fld>
             <a:endParaRPr lang="ja-JP" altLang="en-US" dirty="0"/>
           </a:p>
@@ -2744,7 +2744,7 @@
           <a:p>
             <a:fld id="{56F9016B-CCA6-43BE-8BEE-59565A35F4F7}" type="datetimeFigureOut">
               <a:rPr kumimoji="1" lang="ja-JP" altLang="en-US" smtClean="0"/>
-              <a:t>2019/11/28</a:t>
+              <a:t>2021/3/2</a:t>
             </a:fld>
             <a:endParaRPr kumimoji="1" lang="ja-JP" altLang="en-US"/>
           </a:p>
@@ -2946,7 +2946,7 @@
           <a:p>
             <a:fld id="{56F9016B-CCA6-43BE-8BEE-59565A35F4F7}" type="datetimeFigureOut">
               <a:rPr kumimoji="1" lang="ja-JP" altLang="en-US" smtClean="0"/>
-              <a:t>2019/11/28</a:t>
+              <a:t>2021/3/2</a:t>
             </a:fld>
             <a:endParaRPr kumimoji="1" lang="ja-JP" altLang="en-US"/>
           </a:p>
@@ -3192,7 +3192,7 @@
           <a:p>
             <a:fld id="{56F9016B-CCA6-43BE-8BEE-59565A35F4F7}" type="datetimeFigureOut">
               <a:rPr kumimoji="1" lang="ja-JP" altLang="en-US" smtClean="0"/>
-              <a:t>2019/11/28</a:t>
+              <a:t>2021/3/2</a:t>
             </a:fld>
             <a:endParaRPr kumimoji="1" lang="ja-JP" altLang="en-US"/>
           </a:p>
@@ -3488,7 +3488,7 @@
           <a:p>
             <a:fld id="{56F9016B-CCA6-43BE-8BEE-59565A35F4F7}" type="datetimeFigureOut">
               <a:rPr kumimoji="1" lang="ja-JP" altLang="en-US" smtClean="0"/>
-              <a:t>2019/11/28</a:t>
+              <a:t>2021/3/2</a:t>
             </a:fld>
             <a:endParaRPr kumimoji="1" lang="ja-JP" altLang="en-US"/>
           </a:p>
@@ -3919,7 +3919,7 @@
           <a:p>
             <a:fld id="{56F9016B-CCA6-43BE-8BEE-59565A35F4F7}" type="datetimeFigureOut">
               <a:rPr kumimoji="1" lang="ja-JP" altLang="en-US" smtClean="0"/>
-              <a:t>2019/11/28</a:t>
+              <a:t>2021/3/2</a:t>
             </a:fld>
             <a:endParaRPr kumimoji="1" lang="ja-JP" altLang="en-US"/>
           </a:p>
@@ -4037,7 +4037,7 @@
           <a:p>
             <a:fld id="{56F9016B-CCA6-43BE-8BEE-59565A35F4F7}" type="datetimeFigureOut">
               <a:rPr kumimoji="1" lang="ja-JP" altLang="en-US" smtClean="0"/>
-              <a:t>2019/11/28</a:t>
+              <a:t>2021/3/2</a:t>
             </a:fld>
             <a:endParaRPr kumimoji="1" lang="ja-JP" altLang="en-US"/>
           </a:p>
@@ -4132,7 +4132,7 @@
           <a:p>
             <a:fld id="{56F9016B-CCA6-43BE-8BEE-59565A35F4F7}" type="datetimeFigureOut">
               <a:rPr kumimoji="1" lang="ja-JP" altLang="en-US" smtClean="0"/>
-              <a:t>2019/11/28</a:t>
+              <a:t>2021/3/2</a:t>
             </a:fld>
             <a:endParaRPr kumimoji="1" lang="ja-JP" altLang="en-US"/>
           </a:p>
@@ -4441,7 +4441,7 @@
           <a:p>
             <a:fld id="{56F9016B-CCA6-43BE-8BEE-59565A35F4F7}" type="datetimeFigureOut">
               <a:rPr kumimoji="1" lang="ja-JP" altLang="en-US" smtClean="0"/>
-              <a:t>2019/11/28</a:t>
+              <a:t>2021/3/2</a:t>
             </a:fld>
             <a:endParaRPr kumimoji="1" lang="ja-JP" altLang="en-US"/>
           </a:p>
@@ -4694,7 +4694,7 @@
           <a:p>
             <a:fld id="{56F9016B-CCA6-43BE-8BEE-59565A35F4F7}" type="datetimeFigureOut">
               <a:rPr kumimoji="1" lang="ja-JP" altLang="en-US" smtClean="0"/>
-              <a:t>2019/11/28</a:t>
+              <a:t>2021/3/2</a:t>
             </a:fld>
             <a:endParaRPr kumimoji="1" lang="ja-JP" altLang="en-US"/>
           </a:p>
@@ -4971,7 +4971,7 @@
           <a:p>
             <a:fld id="{56F9016B-CCA6-43BE-8BEE-59565A35F4F7}" type="datetimeFigureOut">
               <a:rPr kumimoji="1" lang="ja-JP" altLang="en-US" smtClean="0"/>
-              <a:t>2019/11/28</a:t>
+              <a:t>2021/3/2</a:t>
             </a:fld>
             <a:endParaRPr kumimoji="1" lang="ja-JP" altLang="en-US"/>
           </a:p>
@@ -5183,7 +5183,7 @@
           <a:p>
             <a:fld id="{56F9016B-CCA6-43BE-8BEE-59565A35F4F7}" type="datetimeFigureOut">
               <a:rPr kumimoji="1" lang="ja-JP" altLang="en-US" smtClean="0"/>
-              <a:t>2019/11/28</a:t>
+              <a:t>2021/3/2</a:t>
             </a:fld>
             <a:endParaRPr kumimoji="1" lang="ja-JP" altLang="en-US"/>
           </a:p>
@@ -8242,7 +8242,7 @@
           <a:p>
             <a:fld id="{56F9016B-CCA6-43BE-8BEE-59565A35F4F7}" type="datetimeFigureOut">
               <a:rPr kumimoji="1" lang="ja-JP" altLang="en-US" smtClean="0"/>
-              <a:t>2019/11/28</a:t>
+              <a:t>2021/3/2</a:t>
             </a:fld>
             <a:endParaRPr kumimoji="1" lang="ja-JP" altLang="en-US"/>
           </a:p>
@@ -13127,36 +13127,6 @@
           <a:chExt cx="0" cy="0"/>
         </a:xfrm>
       </p:grpSpPr>
-      <p:pic>
-        <p:nvPicPr>
-          <p:cNvPr id="6" name="図 5"/>
-          <p:cNvPicPr>
-            <a:picLocks noChangeAspect="1"/>
-          </p:cNvPicPr>
-          <p:nvPr/>
-        </p:nvPicPr>
-        <p:blipFill>
-          <a:blip r:embed="rId2">
-            <a:extLst>
-              <a:ext uri="{28A0092B-C50C-407E-A947-70E740481C1C}">
-                <a14:useLocalDpi xmlns:a14="http://schemas.microsoft.com/office/drawing/2010/main" val="0"/>
-              </a:ext>
-            </a:extLst>
-          </a:blip>
-          <a:stretch>
-            <a:fillRect/>
-          </a:stretch>
-        </p:blipFill>
-        <p:spPr>
-          <a:xfrm>
-            <a:off x="42040" y="1772010"/>
-            <a:ext cx="6764821" cy="3745717"/>
-          </a:xfrm>
-          <a:prstGeom prst="rect">
-            <a:avLst/>
-          </a:prstGeom>
-        </p:spPr>
-      </p:pic>
       <p:sp>
         <p:nvSpPr>
           <p:cNvPr id="2" name="タイトル 1"/>
@@ -13637,6 +13607,30 @@
           </p:txBody>
         </p:sp>
       </p:grpSp>
+      <p:pic>
+        <p:nvPicPr>
+          <p:cNvPr id="4" name="図 3"/>
+          <p:cNvPicPr>
+            <a:picLocks noChangeAspect="1"/>
+          </p:cNvPicPr>
+          <p:nvPr/>
+        </p:nvPicPr>
+        <p:blipFill>
+          <a:blip r:embed="rId2"/>
+          <a:stretch>
+            <a:fillRect/>
+          </a:stretch>
+        </p:blipFill>
+        <p:spPr>
+          <a:xfrm>
+            <a:off x="93031" y="1970333"/>
+            <a:ext cx="6767147" cy="3743268"/>
+          </a:xfrm>
+          <a:prstGeom prst="rect">
+            <a:avLst/>
+          </a:prstGeom>
+        </p:spPr>
+      </p:pic>
       <p:sp>
         <p:nvSpPr>
           <p:cNvPr id="37" name="角丸四角形 36"/>
@@ -14329,6 +14323,30 @@
           <a:chExt cx="0" cy="0"/>
         </a:xfrm>
       </p:grpSpPr>
+      <p:pic>
+        <p:nvPicPr>
+          <p:cNvPr id="5" name="図 4"/>
+          <p:cNvPicPr>
+            <a:picLocks noChangeAspect="1"/>
+          </p:cNvPicPr>
+          <p:nvPr/>
+        </p:nvPicPr>
+        <p:blipFill>
+          <a:blip r:embed="rId2"/>
+          <a:stretch>
+            <a:fillRect/>
+          </a:stretch>
+        </p:blipFill>
+        <p:spPr>
+          <a:xfrm>
+            <a:off x="180014" y="2186248"/>
+            <a:ext cx="6523285" cy="3731075"/>
+          </a:xfrm>
+          <a:prstGeom prst="rect">
+            <a:avLst/>
+          </a:prstGeom>
+        </p:spPr>
+      </p:pic>
       <p:sp>
         <p:nvSpPr>
           <p:cNvPr id="2" name="タイトル 1"/>
@@ -14846,36 +14864,6 @@
           </p:txBody>
         </p:sp>
       </p:grpSp>
-      <p:pic>
-        <p:nvPicPr>
-          <p:cNvPr id="4" name="図 3"/>
-          <p:cNvPicPr>
-            <a:picLocks noChangeAspect="1"/>
-          </p:cNvPicPr>
-          <p:nvPr/>
-        </p:nvPicPr>
-        <p:blipFill>
-          <a:blip r:embed="rId2">
-            <a:extLst>
-              <a:ext uri="{28A0092B-C50C-407E-A947-70E740481C1C}">
-                <a14:useLocalDpi xmlns:a14="http://schemas.microsoft.com/office/drawing/2010/main" val="0"/>
-              </a:ext>
-            </a:extLst>
-          </a:blip>
-          <a:stretch>
-            <a:fillRect/>
-          </a:stretch>
-        </p:blipFill>
-        <p:spPr>
-          <a:xfrm>
-            <a:off x="176104" y="2186437"/>
-            <a:ext cx="6524648" cy="3731398"/>
-          </a:xfrm>
-          <a:prstGeom prst="rect">
-            <a:avLst/>
-          </a:prstGeom>
-        </p:spPr>
-      </p:pic>
       <p:sp>
         <p:nvSpPr>
           <p:cNvPr id="12" name="角丸四角形 11"/>
@@ -34198,6 +34186,30 @@
           <a:chExt cx="0" cy="0"/>
         </a:xfrm>
       </p:grpSpPr>
+      <p:pic>
+        <p:nvPicPr>
+          <p:cNvPr id="3" name="図 2"/>
+          <p:cNvPicPr>
+            <a:picLocks noChangeAspect="1"/>
+          </p:cNvPicPr>
+          <p:nvPr/>
+        </p:nvPicPr>
+        <p:blipFill>
+          <a:blip r:embed="rId3"/>
+          <a:stretch>
+            <a:fillRect/>
+          </a:stretch>
+        </p:blipFill>
+        <p:spPr>
+          <a:xfrm>
+            <a:off x="242940" y="2215779"/>
+            <a:ext cx="3017782" cy="3468925"/>
+          </a:xfrm>
+          <a:prstGeom prst="rect">
+            <a:avLst/>
+          </a:prstGeom>
+        </p:spPr>
+      </p:pic>
       <p:sp>
         <p:nvSpPr>
           <p:cNvPr id="2" name="タイトル 1"/>
@@ -34381,36 +34393,6 @@
           </a:p>
         </p:txBody>
       </p:sp>
-      <p:pic>
-        <p:nvPicPr>
-          <p:cNvPr id="11" name="図 10"/>
-          <p:cNvPicPr>
-            <a:picLocks noChangeAspect="1"/>
-          </p:cNvPicPr>
-          <p:nvPr/>
-        </p:nvPicPr>
-        <p:blipFill>
-          <a:blip r:embed="rId3">
-            <a:extLst>
-              <a:ext uri="{28A0092B-C50C-407E-A947-70E740481C1C}">
-                <a14:useLocalDpi xmlns:a14="http://schemas.microsoft.com/office/drawing/2010/main" val="0"/>
-              </a:ext>
-            </a:extLst>
-          </a:blip>
-          <a:stretch>
-            <a:fillRect/>
-          </a:stretch>
-        </p:blipFill>
-        <p:spPr>
-          <a:xfrm>
-            <a:off x="255909" y="2226624"/>
-            <a:ext cx="3019912" cy="3465058"/>
-          </a:xfrm>
-          <a:prstGeom prst="rect">
-            <a:avLst/>
-          </a:prstGeom>
-        </p:spPr>
-      </p:pic>
       <p:sp>
         <p:nvSpPr>
           <p:cNvPr id="5" name="角丸四角形 4"/>
@@ -36481,7 +36463,7 @@
         </p:blipFill>
         <p:spPr>
           <a:xfrm>
-            <a:off x="3376723" y="3560638"/>
+            <a:off x="3365187" y="3573485"/>
             <a:ext cx="2389579" cy="2946291"/>
           </a:xfrm>
           <a:prstGeom prst="rect">

--- a/asset/Learn_ja/ITA-base_practice_ja.pptx
+++ b/asset/Learn_ja/ITA-base_practice_ja.pptx
@@ -336,7 +336,7 @@
               <a:rPr kumimoji="1" lang="ja-JP" altLang="en-US" smtClean="0">
                 <a:ea typeface="メイリオ" panose="020B0604030504040204" pitchFamily="50" charset="-128"/>
               </a:rPr>
-              <a:t>2019/7/22</a:t>
+              <a:t>2021/3/2</a:t>
             </a:fld>
             <a:endParaRPr kumimoji="1" lang="ja-JP" altLang="en-US" dirty="0">
               <a:ea typeface="メイリオ" panose="020B0604030504040204" pitchFamily="50" charset="-128"/>
@@ -482,7 +482,7 @@
             <a:fld id="{4B26993D-C081-44EB-B0F5-A9F467792B62}" type="datetimeFigureOut">
               <a:rPr lang="ja-JP" altLang="en-US" smtClean="0"/>
               <a:pPr/>
-              <a:t>2019/7/22</a:t>
+              <a:t>2021/3/2</a:t>
             </a:fld>
             <a:endParaRPr lang="ja-JP" altLang="en-US" dirty="0"/>
           </a:p>
@@ -2744,7 +2744,7 @@
           <a:p>
             <a:fld id="{56F9016B-CCA6-43BE-8BEE-59565A35F4F7}" type="datetimeFigureOut">
               <a:rPr kumimoji="1" lang="ja-JP" altLang="en-US" smtClean="0"/>
-              <a:t>2019/7/22</a:t>
+              <a:t>2021/3/2</a:t>
             </a:fld>
             <a:endParaRPr kumimoji="1" lang="ja-JP" altLang="en-US"/>
           </a:p>
@@ -2946,7 +2946,7 @@
           <a:p>
             <a:fld id="{56F9016B-CCA6-43BE-8BEE-59565A35F4F7}" type="datetimeFigureOut">
               <a:rPr kumimoji="1" lang="ja-JP" altLang="en-US" smtClean="0"/>
-              <a:t>2019/7/22</a:t>
+              <a:t>2021/3/2</a:t>
             </a:fld>
             <a:endParaRPr kumimoji="1" lang="ja-JP" altLang="en-US"/>
           </a:p>
@@ -3192,7 +3192,7 @@
           <a:p>
             <a:fld id="{56F9016B-CCA6-43BE-8BEE-59565A35F4F7}" type="datetimeFigureOut">
               <a:rPr kumimoji="1" lang="ja-JP" altLang="en-US" smtClean="0"/>
-              <a:t>2019/7/22</a:t>
+              <a:t>2021/3/2</a:t>
             </a:fld>
             <a:endParaRPr kumimoji="1" lang="ja-JP" altLang="en-US"/>
           </a:p>
@@ -3488,7 +3488,7 @@
           <a:p>
             <a:fld id="{56F9016B-CCA6-43BE-8BEE-59565A35F4F7}" type="datetimeFigureOut">
               <a:rPr kumimoji="1" lang="ja-JP" altLang="en-US" smtClean="0"/>
-              <a:t>2019/7/22</a:t>
+              <a:t>2021/3/2</a:t>
             </a:fld>
             <a:endParaRPr kumimoji="1" lang="ja-JP" altLang="en-US"/>
           </a:p>
@@ -3919,7 +3919,7 @@
           <a:p>
             <a:fld id="{56F9016B-CCA6-43BE-8BEE-59565A35F4F7}" type="datetimeFigureOut">
               <a:rPr kumimoji="1" lang="ja-JP" altLang="en-US" smtClean="0"/>
-              <a:t>2019/7/22</a:t>
+              <a:t>2021/3/2</a:t>
             </a:fld>
             <a:endParaRPr kumimoji="1" lang="ja-JP" altLang="en-US"/>
           </a:p>
@@ -4037,7 +4037,7 @@
           <a:p>
             <a:fld id="{56F9016B-CCA6-43BE-8BEE-59565A35F4F7}" type="datetimeFigureOut">
               <a:rPr kumimoji="1" lang="ja-JP" altLang="en-US" smtClean="0"/>
-              <a:t>2019/7/22</a:t>
+              <a:t>2021/3/2</a:t>
             </a:fld>
             <a:endParaRPr kumimoji="1" lang="ja-JP" altLang="en-US"/>
           </a:p>
@@ -4132,7 +4132,7 @@
           <a:p>
             <a:fld id="{56F9016B-CCA6-43BE-8BEE-59565A35F4F7}" type="datetimeFigureOut">
               <a:rPr kumimoji="1" lang="ja-JP" altLang="en-US" smtClean="0"/>
-              <a:t>2019/7/22</a:t>
+              <a:t>2021/3/2</a:t>
             </a:fld>
             <a:endParaRPr kumimoji="1" lang="ja-JP" altLang="en-US"/>
           </a:p>
@@ -4441,7 +4441,7 @@
           <a:p>
             <a:fld id="{56F9016B-CCA6-43BE-8BEE-59565A35F4F7}" type="datetimeFigureOut">
               <a:rPr kumimoji="1" lang="ja-JP" altLang="en-US" smtClean="0"/>
-              <a:t>2019/7/22</a:t>
+              <a:t>2021/3/2</a:t>
             </a:fld>
             <a:endParaRPr kumimoji="1" lang="ja-JP" altLang="en-US"/>
           </a:p>
@@ -4694,7 +4694,7 @@
           <a:p>
             <a:fld id="{56F9016B-CCA6-43BE-8BEE-59565A35F4F7}" type="datetimeFigureOut">
               <a:rPr kumimoji="1" lang="ja-JP" altLang="en-US" smtClean="0"/>
-              <a:t>2019/7/22</a:t>
+              <a:t>2021/3/2</a:t>
             </a:fld>
             <a:endParaRPr kumimoji="1" lang="ja-JP" altLang="en-US"/>
           </a:p>
@@ -4971,7 +4971,7 @@
           <a:p>
             <a:fld id="{56F9016B-CCA6-43BE-8BEE-59565A35F4F7}" type="datetimeFigureOut">
               <a:rPr kumimoji="1" lang="ja-JP" altLang="en-US" smtClean="0"/>
-              <a:t>2019/7/22</a:t>
+              <a:t>2021/3/2</a:t>
             </a:fld>
             <a:endParaRPr kumimoji="1" lang="ja-JP" altLang="en-US"/>
           </a:p>
@@ -5183,7 +5183,7 @@
           <a:p>
             <a:fld id="{56F9016B-CCA6-43BE-8BEE-59565A35F4F7}" type="datetimeFigureOut">
               <a:rPr kumimoji="1" lang="ja-JP" altLang="en-US" smtClean="0"/>
-              <a:t>2019/7/22</a:t>
+              <a:t>2021/3/2</a:t>
             </a:fld>
             <a:endParaRPr kumimoji="1" lang="ja-JP" altLang="en-US"/>
           </a:p>
@@ -8242,7 +8242,7 @@
           <a:p>
             <a:fld id="{56F9016B-CCA6-43BE-8BEE-59565A35F4F7}" type="datetimeFigureOut">
               <a:rPr kumimoji="1" lang="ja-JP" altLang="en-US" smtClean="0"/>
-              <a:t>2019/7/22</a:t>
+              <a:t>2021/3/2</a:t>
             </a:fld>
             <a:endParaRPr kumimoji="1" lang="ja-JP" altLang="en-US"/>
           </a:p>
@@ -13129,28 +13129,22 @@
       </p:grpSpPr>
       <p:pic>
         <p:nvPicPr>
-          <p:cNvPr id="6" name="図 5"/>
+          <p:cNvPr id="4" name="図 3"/>
           <p:cNvPicPr>
             <a:picLocks noChangeAspect="1"/>
           </p:cNvPicPr>
           <p:nvPr/>
         </p:nvPicPr>
         <p:blipFill>
-          <a:blip r:embed="rId2">
-            <a:extLst>
-              <a:ext uri="{28A0092B-C50C-407E-A947-70E740481C1C}">
-                <a14:useLocalDpi xmlns:a14="http://schemas.microsoft.com/office/drawing/2010/main" val="0"/>
-              </a:ext>
-            </a:extLst>
-          </a:blip>
+          <a:blip r:embed="rId2"/>
           <a:stretch>
             <a:fillRect/>
           </a:stretch>
         </p:blipFill>
         <p:spPr>
           <a:xfrm>
-            <a:off x="42040" y="1772010"/>
-            <a:ext cx="6764821" cy="3745717"/>
+            <a:off x="67887" y="1918042"/>
+            <a:ext cx="6767147" cy="3743268"/>
           </a:xfrm>
           <a:prstGeom prst="rect">
             <a:avLst/>
@@ -14329,6 +14323,30 @@
           <a:chExt cx="0" cy="0"/>
         </a:xfrm>
       </p:grpSpPr>
+      <p:pic>
+        <p:nvPicPr>
+          <p:cNvPr id="5" name="図 4"/>
+          <p:cNvPicPr>
+            <a:picLocks noChangeAspect="1"/>
+          </p:cNvPicPr>
+          <p:nvPr/>
+        </p:nvPicPr>
+        <p:blipFill>
+          <a:blip r:embed="rId2"/>
+          <a:stretch>
+            <a:fillRect/>
+          </a:stretch>
+        </p:blipFill>
+        <p:spPr>
+          <a:xfrm>
+            <a:off x="179512" y="2194439"/>
+            <a:ext cx="6523285" cy="3731075"/>
+          </a:xfrm>
+          <a:prstGeom prst="rect">
+            <a:avLst/>
+          </a:prstGeom>
+        </p:spPr>
+      </p:pic>
       <p:sp>
         <p:nvSpPr>
           <p:cNvPr id="2" name="タイトル 1"/>
@@ -14846,36 +14864,6 @@
           </p:txBody>
         </p:sp>
       </p:grpSp>
-      <p:pic>
-        <p:nvPicPr>
-          <p:cNvPr id="4" name="図 3"/>
-          <p:cNvPicPr>
-            <a:picLocks noChangeAspect="1"/>
-          </p:cNvPicPr>
-          <p:nvPr/>
-        </p:nvPicPr>
-        <p:blipFill>
-          <a:blip r:embed="rId2">
-            <a:extLst>
-              <a:ext uri="{28A0092B-C50C-407E-A947-70E740481C1C}">
-                <a14:useLocalDpi xmlns:a14="http://schemas.microsoft.com/office/drawing/2010/main" val="0"/>
-              </a:ext>
-            </a:extLst>
-          </a:blip>
-          <a:stretch>
-            <a:fillRect/>
-          </a:stretch>
-        </p:blipFill>
-        <p:spPr>
-          <a:xfrm>
-            <a:off x="176104" y="2186437"/>
-            <a:ext cx="6524648" cy="3731398"/>
-          </a:xfrm>
-          <a:prstGeom prst="rect">
-            <a:avLst/>
-          </a:prstGeom>
-        </p:spPr>
-      </p:pic>
       <p:sp>
         <p:nvSpPr>
           <p:cNvPr id="12" name="角丸四角形 11"/>
@@ -34190,6 +34178,30 @@
           <a:chExt cx="0" cy="0"/>
         </a:xfrm>
       </p:grpSpPr>
+      <p:pic>
+        <p:nvPicPr>
+          <p:cNvPr id="3" name="図 2"/>
+          <p:cNvPicPr>
+            <a:picLocks noChangeAspect="1"/>
+          </p:cNvPicPr>
+          <p:nvPr/>
+        </p:nvPicPr>
+        <p:blipFill>
+          <a:blip r:embed="rId3"/>
+          <a:stretch>
+            <a:fillRect/>
+          </a:stretch>
+        </p:blipFill>
+        <p:spPr>
+          <a:xfrm>
+            <a:off x="278913" y="2225612"/>
+            <a:ext cx="3017782" cy="3468925"/>
+          </a:xfrm>
+          <a:prstGeom prst="rect">
+            <a:avLst/>
+          </a:prstGeom>
+        </p:spPr>
+      </p:pic>
       <p:sp>
         <p:nvSpPr>
           <p:cNvPr id="2" name="タイトル 1"/>
@@ -34373,36 +34385,6 @@
           </a:p>
         </p:txBody>
       </p:sp>
-      <p:pic>
-        <p:nvPicPr>
-          <p:cNvPr id="11" name="図 10"/>
-          <p:cNvPicPr>
-            <a:picLocks noChangeAspect="1"/>
-          </p:cNvPicPr>
-          <p:nvPr/>
-        </p:nvPicPr>
-        <p:blipFill>
-          <a:blip r:embed="rId3">
-            <a:extLst>
-              <a:ext uri="{28A0092B-C50C-407E-A947-70E740481C1C}">
-                <a14:useLocalDpi xmlns:a14="http://schemas.microsoft.com/office/drawing/2010/main" val="0"/>
-              </a:ext>
-            </a:extLst>
-          </a:blip>
-          <a:stretch>
-            <a:fillRect/>
-          </a:stretch>
-        </p:blipFill>
-        <p:spPr>
-          <a:xfrm>
-            <a:off x="255909" y="2226624"/>
-            <a:ext cx="3019912" cy="3465058"/>
-          </a:xfrm>
-          <a:prstGeom prst="rect">
-            <a:avLst/>
-          </a:prstGeom>
-        </p:spPr>
-      </p:pic>
       <p:sp>
         <p:nvSpPr>
           <p:cNvPr id="5" name="角丸四角形 4"/>

--- a/asset/Learn_ja/ITA-base_practice_ja.pptx
+++ b/asset/Learn_ja/ITA-base_practice_ja.pptx
@@ -336,7 +336,7 @@
               <a:rPr kumimoji="1" lang="ja-JP" altLang="en-US" smtClean="0">
                 <a:ea typeface="メイリオ" panose="020B0604030504040204" pitchFamily="50" charset="-128"/>
               </a:rPr>
-              <a:t>2021/4/5</a:t>
+              <a:t>2021/7/26</a:t>
             </a:fld>
             <a:endParaRPr kumimoji="1" lang="ja-JP" altLang="en-US" dirty="0">
               <a:ea typeface="メイリオ" panose="020B0604030504040204" pitchFamily="50" charset="-128"/>
@@ -482,7 +482,7 @@
             <a:fld id="{4B26993D-C081-44EB-B0F5-A9F467792B62}" type="datetimeFigureOut">
               <a:rPr lang="ja-JP" altLang="en-US" smtClean="0"/>
               <a:pPr/>
-              <a:t>2021/4/5</a:t>
+              <a:t>2021/7/26</a:t>
             </a:fld>
             <a:endParaRPr lang="ja-JP" altLang="en-US" dirty="0"/>
           </a:p>
@@ -2744,7 +2744,7 @@
           <a:p>
             <a:fld id="{56F9016B-CCA6-43BE-8BEE-59565A35F4F7}" type="datetimeFigureOut">
               <a:rPr kumimoji="1" lang="ja-JP" altLang="en-US" smtClean="0"/>
-              <a:t>2021/4/5</a:t>
+              <a:t>2021/7/26</a:t>
             </a:fld>
             <a:endParaRPr kumimoji="1" lang="ja-JP" altLang="en-US"/>
           </a:p>
@@ -2946,7 +2946,7 @@
           <a:p>
             <a:fld id="{56F9016B-CCA6-43BE-8BEE-59565A35F4F7}" type="datetimeFigureOut">
               <a:rPr kumimoji="1" lang="ja-JP" altLang="en-US" smtClean="0"/>
-              <a:t>2021/4/5</a:t>
+              <a:t>2021/7/26</a:t>
             </a:fld>
             <a:endParaRPr kumimoji="1" lang="ja-JP" altLang="en-US"/>
           </a:p>
@@ -3192,7 +3192,7 @@
           <a:p>
             <a:fld id="{56F9016B-CCA6-43BE-8BEE-59565A35F4F7}" type="datetimeFigureOut">
               <a:rPr kumimoji="1" lang="ja-JP" altLang="en-US" smtClean="0"/>
-              <a:t>2021/4/5</a:t>
+              <a:t>2021/7/26</a:t>
             </a:fld>
             <a:endParaRPr kumimoji="1" lang="ja-JP" altLang="en-US"/>
           </a:p>
@@ -3488,7 +3488,7 @@
           <a:p>
             <a:fld id="{56F9016B-CCA6-43BE-8BEE-59565A35F4F7}" type="datetimeFigureOut">
               <a:rPr kumimoji="1" lang="ja-JP" altLang="en-US" smtClean="0"/>
-              <a:t>2021/4/5</a:t>
+              <a:t>2021/7/26</a:t>
             </a:fld>
             <a:endParaRPr kumimoji="1" lang="ja-JP" altLang="en-US"/>
           </a:p>
@@ -3919,7 +3919,7 @@
           <a:p>
             <a:fld id="{56F9016B-CCA6-43BE-8BEE-59565A35F4F7}" type="datetimeFigureOut">
               <a:rPr kumimoji="1" lang="ja-JP" altLang="en-US" smtClean="0"/>
-              <a:t>2021/4/5</a:t>
+              <a:t>2021/7/26</a:t>
             </a:fld>
             <a:endParaRPr kumimoji="1" lang="ja-JP" altLang="en-US"/>
           </a:p>
@@ -4037,7 +4037,7 @@
           <a:p>
             <a:fld id="{56F9016B-CCA6-43BE-8BEE-59565A35F4F7}" type="datetimeFigureOut">
               <a:rPr kumimoji="1" lang="ja-JP" altLang="en-US" smtClean="0"/>
-              <a:t>2021/4/5</a:t>
+              <a:t>2021/7/26</a:t>
             </a:fld>
             <a:endParaRPr kumimoji="1" lang="ja-JP" altLang="en-US"/>
           </a:p>
@@ -4132,7 +4132,7 @@
           <a:p>
             <a:fld id="{56F9016B-CCA6-43BE-8BEE-59565A35F4F7}" type="datetimeFigureOut">
               <a:rPr kumimoji="1" lang="ja-JP" altLang="en-US" smtClean="0"/>
-              <a:t>2021/4/5</a:t>
+              <a:t>2021/7/26</a:t>
             </a:fld>
             <a:endParaRPr kumimoji="1" lang="ja-JP" altLang="en-US"/>
           </a:p>
@@ -4441,7 +4441,7 @@
           <a:p>
             <a:fld id="{56F9016B-CCA6-43BE-8BEE-59565A35F4F7}" type="datetimeFigureOut">
               <a:rPr kumimoji="1" lang="ja-JP" altLang="en-US" smtClean="0"/>
-              <a:t>2021/4/5</a:t>
+              <a:t>2021/7/26</a:t>
             </a:fld>
             <a:endParaRPr kumimoji="1" lang="ja-JP" altLang="en-US"/>
           </a:p>
@@ -4694,7 +4694,7 @@
           <a:p>
             <a:fld id="{56F9016B-CCA6-43BE-8BEE-59565A35F4F7}" type="datetimeFigureOut">
               <a:rPr kumimoji="1" lang="ja-JP" altLang="en-US" smtClean="0"/>
-              <a:t>2021/4/5</a:t>
+              <a:t>2021/7/26</a:t>
             </a:fld>
             <a:endParaRPr kumimoji="1" lang="ja-JP" altLang="en-US"/>
           </a:p>
@@ -4971,7 +4971,7 @@
           <a:p>
             <a:fld id="{56F9016B-CCA6-43BE-8BEE-59565A35F4F7}" type="datetimeFigureOut">
               <a:rPr kumimoji="1" lang="ja-JP" altLang="en-US" smtClean="0"/>
-              <a:t>2021/4/5</a:t>
+              <a:t>2021/7/26</a:t>
             </a:fld>
             <a:endParaRPr kumimoji="1" lang="ja-JP" altLang="en-US"/>
           </a:p>
@@ -5183,7 +5183,7 @@
           <a:p>
             <a:fld id="{56F9016B-CCA6-43BE-8BEE-59565A35F4F7}" type="datetimeFigureOut">
               <a:rPr kumimoji="1" lang="ja-JP" altLang="en-US" smtClean="0"/>
-              <a:t>2021/4/5</a:t>
+              <a:t>2021/7/26</a:t>
             </a:fld>
             <a:endParaRPr kumimoji="1" lang="ja-JP" altLang="en-US"/>
           </a:p>
@@ -8242,7 +8242,7 @@
           <a:p>
             <a:fld id="{56F9016B-CCA6-43BE-8BEE-59565A35F4F7}" type="datetimeFigureOut">
               <a:rPr kumimoji="1" lang="ja-JP" altLang="en-US" smtClean="0"/>
-              <a:t>2021/4/5</a:t>
+              <a:t>2021/7/26</a:t>
             </a:fld>
             <a:endParaRPr kumimoji="1" lang="ja-JP" altLang="en-US"/>
           </a:p>
@@ -8675,22 +8675,22 @@
           <a:lstStyle/>
           <a:p>
             <a:r>
-              <a:rPr lang="ja-JP" altLang="en-US" dirty="0" smtClean="0"/>
-              <a:t>第</a:t>
+              <a:rPr lang="en-US" altLang="ja-JP" dirty="0" err="1"/>
+              <a:t>Exastro</a:t>
+            </a:r>
+            <a:r>
+              <a:rPr lang="en-US" altLang="ja-JP" dirty="0"/>
+              <a:t> IT Automation Version </a:t>
             </a:r>
             <a:r>
               <a:rPr lang="en-US" altLang="ja-JP" dirty="0" smtClean="0"/>
-              <a:t>1.3</a:t>
-            </a:r>
-            <a:r>
-              <a:rPr lang="ja-JP" altLang="en-US" dirty="0" smtClean="0"/>
-              <a:t>版</a:t>
+              <a:t>1.7.2</a:t>
             </a:r>
             <a:endParaRPr lang="en-US" altLang="ja-JP" dirty="0" smtClean="0"/>
           </a:p>
           <a:p>
             <a:r>
-              <a:rPr lang="en-US" altLang="ja-JP" dirty="0" smtClean="0"/>
+              <a:rPr lang="en-US" altLang="ja-JP" dirty="0" err="1" smtClean="0"/>
               <a:t>Exastro</a:t>
             </a:r>
             <a:r>
@@ -9259,6 +9259,29 @@
           <a:chExt cx="0" cy="0"/>
         </a:xfrm>
       </p:grpSpPr>
+      <p:pic>
+        <p:nvPicPr>
+          <p:cNvPr id="3" name="図 2"/>
+          <p:cNvPicPr>
+            <a:picLocks noChangeAspect="1"/>
+          </p:cNvPicPr>
+          <p:nvPr/>
+        </p:nvPicPr>
+        <p:blipFill rotWithShape="1">
+          <a:blip r:embed="rId2"/>
+          <a:srcRect l="715" r="978"/>
+          <a:stretch/>
+        </p:blipFill>
+        <p:spPr>
+          <a:xfrm>
+            <a:off x="109514" y="2597472"/>
+            <a:ext cx="6552921" cy="1912500"/>
+          </a:xfrm>
+          <a:prstGeom prst="rect">
+            <a:avLst/>
+          </a:prstGeom>
+        </p:spPr>
+      </p:pic>
       <p:sp>
         <p:nvSpPr>
           <p:cNvPr id="2" name="タイトル 1"/>
@@ -9945,36 +9968,6 @@
           </p:txBody>
         </p:sp>
       </p:grpSp>
-      <p:pic>
-        <p:nvPicPr>
-          <p:cNvPr id="4" name="図 3"/>
-          <p:cNvPicPr>
-            <a:picLocks noChangeAspect="1"/>
-          </p:cNvPicPr>
-          <p:nvPr/>
-        </p:nvPicPr>
-        <p:blipFill>
-          <a:blip r:embed="rId2">
-            <a:extLst>
-              <a:ext uri="{28A0092B-C50C-407E-A947-70E740481C1C}">
-                <a14:useLocalDpi xmlns:a14="http://schemas.microsoft.com/office/drawing/2010/main" val="0"/>
-              </a:ext>
-            </a:extLst>
-          </a:blip>
-          <a:stretch>
-            <a:fillRect/>
-          </a:stretch>
-        </p:blipFill>
-        <p:spPr>
-          <a:xfrm>
-            <a:off x="611450" y="2585293"/>
-            <a:ext cx="5874631" cy="1803670"/>
-          </a:xfrm>
-          <a:prstGeom prst="rect">
-            <a:avLst/>
-          </a:prstGeom>
-        </p:spPr>
-      </p:pic>
       <p:sp>
         <p:nvSpPr>
           <p:cNvPr id="24" name="角丸四角形 23"/>
@@ -9983,8 +9976,8 @@
         </p:nvSpPr>
         <p:spPr bwMode="auto">
           <a:xfrm>
-            <a:off x="5546221" y="2985524"/>
-            <a:ext cx="805890" cy="1004316"/>
+            <a:off x="5714671" y="2935550"/>
+            <a:ext cx="805890" cy="1141539"/>
           </a:xfrm>
           <a:prstGeom prst="roundRect">
             <a:avLst>
@@ -10454,31 +10447,29 @@
       </p:grpSpPr>
       <p:pic>
         <p:nvPicPr>
-          <p:cNvPr id="6" name="図 5"/>
+          <p:cNvPr id="4" name="図 3"/>
           <p:cNvPicPr>
             <a:picLocks noChangeAspect="1"/>
           </p:cNvPicPr>
           <p:nvPr/>
         </p:nvPicPr>
-        <p:blipFill rotWithShape="1">
-          <a:blip r:embed="rId2">
-            <a:extLst>
-              <a:ext uri="{28A0092B-C50C-407E-A947-70E740481C1C}">
-                <a14:useLocalDpi xmlns:a14="http://schemas.microsoft.com/office/drawing/2010/main" val="0"/>
-              </a:ext>
-            </a:extLst>
-          </a:blip>
-          <a:srcRect l="-1" r="21021"/>
-          <a:stretch/>
+        <p:blipFill>
+          <a:blip r:embed="rId2"/>
+          <a:stretch>
+            <a:fillRect/>
+          </a:stretch>
         </p:blipFill>
         <p:spPr>
           <a:xfrm>
-            <a:off x="808940" y="2434756"/>
-            <a:ext cx="5558588" cy="3873520"/>
+            <a:off x="258438" y="2407072"/>
+            <a:ext cx="6142988" cy="3781944"/>
           </a:xfrm>
           <a:prstGeom prst="rect">
             <a:avLst/>
           </a:prstGeom>
+          <a:solidFill>
+            <a:srgbClr val="FFFFFF"/>
+          </a:solidFill>
         </p:spPr>
       </p:pic>
       <p:sp>
@@ -10682,8 +10673,8 @@
         </p:nvSpPr>
         <p:spPr bwMode="auto">
           <a:xfrm>
-            <a:off x="1203112" y="5027631"/>
-            <a:ext cx="1666992" cy="656219"/>
+            <a:off x="683459" y="5005559"/>
+            <a:ext cx="2911189" cy="678291"/>
           </a:xfrm>
           <a:prstGeom prst="roundRect">
             <a:avLst>
@@ -10726,8 +10717,8 @@
         </p:nvSpPr>
         <p:spPr bwMode="auto">
           <a:xfrm>
-            <a:off x="2066029" y="6055526"/>
-            <a:ext cx="1260000" cy="252000"/>
+            <a:off x="1462568" y="5914133"/>
+            <a:ext cx="1165162" cy="252000"/>
           </a:xfrm>
           <a:prstGeom prst="roundRect">
             <a:avLst>
@@ -11179,8 +11170,8 @@
         </p:nvSpPr>
         <p:spPr bwMode="auto">
           <a:xfrm>
-            <a:off x="3392031" y="6040133"/>
-            <a:ext cx="301542" cy="312200"/>
+            <a:off x="2810113" y="5876565"/>
+            <a:ext cx="361075" cy="335429"/>
           </a:xfrm>
           <a:prstGeom prst="wedgeEllipseCallout">
             <a:avLst>
@@ -11295,7 +11286,7 @@
           </a:xfrm>
           <a:prstGeom prst="wedgeEllipseCallout">
             <a:avLst>
-              <a:gd name="adj1" fmla="val -383363"/>
+              <a:gd name="adj1" fmla="val -119430"/>
               <a:gd name="adj2" fmla="val 3274"/>
             </a:avLst>
           </a:prstGeom>
@@ -11989,27 +11980,22 @@
       </p:grpSpPr>
       <p:pic>
         <p:nvPicPr>
-          <p:cNvPr id="5" name="図 4"/>
+          <p:cNvPr id="14" name="図 13"/>
           <p:cNvPicPr>
             <a:picLocks noChangeAspect="1"/>
           </p:cNvPicPr>
           <p:nvPr/>
         </p:nvPicPr>
-        <p:blipFill rotWithShape="1">
-          <a:blip r:embed="rId2">
-            <a:extLst>
-              <a:ext uri="{28A0092B-C50C-407E-A947-70E740481C1C}">
-                <a14:useLocalDpi xmlns:a14="http://schemas.microsoft.com/office/drawing/2010/main" val="0"/>
-              </a:ext>
-            </a:extLst>
-          </a:blip>
-          <a:srcRect r="16941"/>
-          <a:stretch/>
+        <p:blipFill>
+          <a:blip r:embed="rId2"/>
+          <a:stretch>
+            <a:fillRect/>
+          </a:stretch>
         </p:blipFill>
         <p:spPr>
           <a:xfrm>
-            <a:off x="525487" y="2132820"/>
-            <a:ext cx="6070413" cy="3840883"/>
+            <a:off x="423811" y="2261612"/>
+            <a:ext cx="6247656" cy="3255678"/>
           </a:xfrm>
           <a:prstGeom prst="rect">
             <a:avLst/>
@@ -12125,7 +12111,7 @@
         </p:nvSpPr>
         <p:spPr bwMode="auto">
           <a:xfrm>
-            <a:off x="3419840" y="2945754"/>
+            <a:off x="2755529" y="3091528"/>
             <a:ext cx="1584220" cy="536613"/>
           </a:xfrm>
           <a:prstGeom prst="roundRect">
@@ -12622,27 +12608,22 @@
       </p:grpSpPr>
       <p:pic>
         <p:nvPicPr>
-          <p:cNvPr id="5" name="図 4"/>
+          <p:cNvPr id="6" name="図 5"/>
           <p:cNvPicPr>
             <a:picLocks noChangeAspect="1"/>
           </p:cNvPicPr>
           <p:nvPr/>
         </p:nvPicPr>
-        <p:blipFill rotWithShape="1">
-          <a:blip r:embed="rId2">
-            <a:extLst>
-              <a:ext uri="{28A0092B-C50C-407E-A947-70E740481C1C}">
-                <a14:useLocalDpi xmlns:a14="http://schemas.microsoft.com/office/drawing/2010/main" val="0"/>
-              </a:ext>
-            </a:extLst>
-          </a:blip>
-          <a:srcRect r="14734"/>
-          <a:stretch/>
+        <p:blipFill>
+          <a:blip r:embed="rId2"/>
+          <a:stretch>
+            <a:fillRect/>
+          </a:stretch>
         </p:blipFill>
         <p:spPr>
           <a:xfrm>
-            <a:off x="611449" y="2195398"/>
-            <a:ext cx="6026217" cy="3465912"/>
+            <a:off x="459419" y="2301411"/>
+            <a:ext cx="6263598" cy="3259531"/>
           </a:xfrm>
           <a:prstGeom prst="rect">
             <a:avLst/>
@@ -12744,8 +12725,8 @@
         </p:nvSpPr>
         <p:spPr bwMode="auto">
           <a:xfrm>
-            <a:off x="3203810" y="2724140"/>
-            <a:ext cx="1872260" cy="564749"/>
+            <a:off x="2699253" y="3212971"/>
+            <a:ext cx="1800737" cy="718206"/>
           </a:xfrm>
           <a:prstGeom prst="roundRect">
             <a:avLst>
@@ -13241,22 +13222,21 @@
       </p:grpSpPr>
       <p:pic>
         <p:nvPicPr>
-          <p:cNvPr id="6" name="図 5"/>
+          <p:cNvPr id="5" name="図 4"/>
           <p:cNvPicPr>
             <a:picLocks noChangeAspect="1"/>
           </p:cNvPicPr>
           <p:nvPr/>
         </p:nvPicPr>
-        <p:blipFill>
+        <p:blipFill rotWithShape="1">
           <a:blip r:embed="rId2"/>
-          <a:stretch>
-            <a:fillRect/>
-          </a:stretch>
+          <a:srcRect r="39373"/>
+          <a:stretch/>
         </p:blipFill>
         <p:spPr>
           <a:xfrm>
-            <a:off x="251400" y="3494809"/>
-            <a:ext cx="6200775" cy="1642072"/>
+            <a:off x="199147" y="1907359"/>
+            <a:ext cx="6449841" cy="3475182"/>
           </a:xfrm>
           <a:prstGeom prst="rect">
             <a:avLst/>
@@ -14393,30 +14373,6 @@
           </p:txBody>
         </p:sp>
       </p:grpSp>
-      <p:pic>
-        <p:nvPicPr>
-          <p:cNvPr id="4" name="図 3"/>
-          <p:cNvPicPr>
-            <a:picLocks noChangeAspect="1"/>
-          </p:cNvPicPr>
-          <p:nvPr/>
-        </p:nvPicPr>
-        <p:blipFill>
-          <a:blip r:embed="rId3"/>
-          <a:stretch>
-            <a:fillRect/>
-          </a:stretch>
-        </p:blipFill>
-        <p:spPr>
-          <a:xfrm>
-            <a:off x="251400" y="1837372"/>
-            <a:ext cx="6200775" cy="1661902"/>
-          </a:xfrm>
-          <a:prstGeom prst="rect">
-            <a:avLst/>
-          </a:prstGeom>
-        </p:spPr>
-      </p:pic>
     </p:spTree>
     <p:extLst>
       <p:ext uri="{BB962C8B-B14F-4D97-AF65-F5344CB8AC3E}">
@@ -14456,22 +14412,21 @@
       </p:grpSpPr>
       <p:pic>
         <p:nvPicPr>
-          <p:cNvPr id="5" name="図 4"/>
+          <p:cNvPr id="4" name="図 3"/>
           <p:cNvPicPr>
             <a:picLocks noChangeAspect="1"/>
           </p:cNvPicPr>
           <p:nvPr/>
         </p:nvPicPr>
-        <p:blipFill>
+        <p:blipFill rotWithShape="1">
           <a:blip r:embed="rId2"/>
-          <a:stretch>
-            <a:fillRect/>
-          </a:stretch>
+          <a:srcRect r="36052"/>
+          <a:stretch/>
         </p:blipFill>
         <p:spPr>
           <a:xfrm>
-            <a:off x="884934" y="1995297"/>
-            <a:ext cx="5334000" cy="4238625"/>
+            <a:off x="395420" y="1995297"/>
+            <a:ext cx="6264870" cy="4383750"/>
           </a:xfrm>
           <a:prstGeom prst="rect">
             <a:avLst/>
@@ -14621,8 +14576,8 @@
         </p:nvSpPr>
         <p:spPr bwMode="auto">
           <a:xfrm>
-            <a:off x="964322" y="2346333"/>
-            <a:ext cx="465528" cy="1528321"/>
+            <a:off x="467430" y="2924930"/>
+            <a:ext cx="831089" cy="582857"/>
           </a:xfrm>
           <a:prstGeom prst="roundRect">
             <a:avLst>
@@ -14665,7 +14620,7 @@
         </p:nvSpPr>
         <p:spPr bwMode="auto">
           <a:xfrm>
-            <a:off x="897801" y="4686778"/>
+            <a:off x="428451" y="4447184"/>
             <a:ext cx="711176" cy="209546"/>
           </a:xfrm>
           <a:prstGeom prst="roundRect">
@@ -14709,8 +14664,8 @@
         </p:nvSpPr>
         <p:spPr bwMode="auto">
           <a:xfrm>
-            <a:off x="897801" y="5515576"/>
-            <a:ext cx="1801939" cy="781777"/>
+            <a:off x="428451" y="5340795"/>
+            <a:ext cx="1477687" cy="881355"/>
           </a:xfrm>
           <a:prstGeom prst="roundRect">
             <a:avLst>
@@ -18176,6 +18131,29 @@
           <a:chExt cx="0" cy="0"/>
         </a:xfrm>
       </p:grpSpPr>
+      <p:pic>
+        <p:nvPicPr>
+          <p:cNvPr id="4" name="図 3"/>
+          <p:cNvPicPr>
+            <a:picLocks noChangeAspect="1"/>
+          </p:cNvPicPr>
+          <p:nvPr/>
+        </p:nvPicPr>
+        <p:blipFill rotWithShape="1">
+          <a:blip r:embed="rId3"/>
+          <a:srcRect l="-1" r="45906"/>
+          <a:stretch/>
+        </p:blipFill>
+        <p:spPr>
+          <a:xfrm>
+            <a:off x="581553" y="2631415"/>
+            <a:ext cx="4684257" cy="2176343"/>
+          </a:xfrm>
+          <a:prstGeom prst="rect">
+            <a:avLst/>
+          </a:prstGeom>
+        </p:spPr>
+      </p:pic>
       <p:sp>
         <p:nvSpPr>
           <p:cNvPr id="2" name="タイトル 1"/>
@@ -19363,36 +19341,6 @@
           </a:p>
         </p:txBody>
       </p:sp>
-      <p:pic>
-        <p:nvPicPr>
-          <p:cNvPr id="59" name="図 58"/>
-          <p:cNvPicPr>
-            <a:picLocks noChangeAspect="1"/>
-          </p:cNvPicPr>
-          <p:nvPr/>
-        </p:nvPicPr>
-        <p:blipFill>
-          <a:blip r:embed="rId3">
-            <a:extLst>
-              <a:ext uri="{28A0092B-C50C-407E-A947-70E740481C1C}">
-                <a14:useLocalDpi xmlns:a14="http://schemas.microsoft.com/office/drawing/2010/main" val="0"/>
-              </a:ext>
-            </a:extLst>
-          </a:blip>
-          <a:stretch>
-            <a:fillRect/>
-          </a:stretch>
-        </p:blipFill>
-        <p:spPr>
-          <a:xfrm>
-            <a:off x="830210" y="2679063"/>
-            <a:ext cx="4427980" cy="1839795"/>
-          </a:xfrm>
-          <a:prstGeom prst="rect">
-            <a:avLst/>
-          </a:prstGeom>
-        </p:spPr>
-      </p:pic>
       <p:sp>
         <p:nvSpPr>
           <p:cNvPr id="6" name="角丸四角形 5"/>
@@ -19401,8 +19349,8 @@
         </p:nvSpPr>
         <p:spPr bwMode="auto">
           <a:xfrm>
-            <a:off x="1691007" y="2944993"/>
-            <a:ext cx="3574803" cy="1141805"/>
+            <a:off x="1259541" y="2944993"/>
+            <a:ext cx="2534844" cy="1268819"/>
           </a:xfrm>
           <a:prstGeom prst="roundRect">
             <a:avLst>
@@ -19445,8 +19393,8 @@
         </p:nvSpPr>
         <p:spPr bwMode="auto">
           <a:xfrm>
-            <a:off x="1789157" y="4321047"/>
-            <a:ext cx="972000" cy="216000"/>
+            <a:off x="1739974" y="4430307"/>
+            <a:ext cx="1031776" cy="216000"/>
           </a:xfrm>
           <a:prstGeom prst="roundRect">
             <a:avLst>
@@ -19489,7 +19437,7 @@
         </p:nvSpPr>
         <p:spPr bwMode="auto">
           <a:xfrm>
-            <a:off x="2840330" y="4274615"/>
+            <a:off x="2884318" y="4403107"/>
             <a:ext cx="273352" cy="306545"/>
           </a:xfrm>
           <a:prstGeom prst="wedgeEllipseCallout">
@@ -21450,27 +21398,21 @@
       </p:grpSpPr>
       <p:pic>
         <p:nvPicPr>
-          <p:cNvPr id="11" name="図 10"/>
+          <p:cNvPr id="3" name="図 2"/>
           <p:cNvPicPr>
             <a:picLocks noChangeAspect="1"/>
           </p:cNvPicPr>
           <p:nvPr/>
         </p:nvPicPr>
         <p:blipFill rotWithShape="1">
-          <a:blip r:embed="rId3">
-            <a:extLst>
-              <a:ext uri="{28A0092B-C50C-407E-A947-70E740481C1C}">
-                <a14:useLocalDpi xmlns:a14="http://schemas.microsoft.com/office/drawing/2010/main" val="0"/>
-              </a:ext>
-            </a:extLst>
-          </a:blip>
-          <a:srcRect l="13533" t="36918" r="12098"/>
+          <a:blip r:embed="rId3"/>
+          <a:srcRect l="1" r="34755" b="2556"/>
           <a:stretch/>
         </p:blipFill>
         <p:spPr>
           <a:xfrm>
-            <a:off x="835515" y="2662424"/>
-            <a:ext cx="5678385" cy="2286406"/>
+            <a:off x="475283" y="2584155"/>
+            <a:ext cx="5536917" cy="2069015"/>
           </a:xfrm>
           <a:prstGeom prst="rect">
             <a:avLst/>
@@ -21677,8 +21619,8 @@
         </p:nvSpPr>
         <p:spPr bwMode="auto">
           <a:xfrm>
-            <a:off x="2074988" y="3937590"/>
-            <a:ext cx="1188000" cy="252000"/>
+            <a:off x="1958464" y="4221110"/>
+            <a:ext cx="1396434" cy="252000"/>
           </a:xfrm>
           <a:prstGeom prst="roundRect">
             <a:avLst>
@@ -21721,8 +21663,8 @@
         </p:nvSpPr>
         <p:spPr bwMode="auto">
           <a:xfrm flipV="1">
-            <a:off x="1850464" y="2984265"/>
-            <a:ext cx="1404000" cy="612000"/>
+            <a:off x="1774406" y="3046359"/>
+            <a:ext cx="1846148" cy="863166"/>
           </a:xfrm>
           <a:prstGeom prst="roundRect">
             <a:avLst>
@@ -22624,7 +22566,7 @@
         </p:nvSpPr>
         <p:spPr bwMode="auto">
           <a:xfrm>
-            <a:off x="3354898" y="3914565"/>
+            <a:off x="3470293" y="4223653"/>
             <a:ext cx="273352" cy="306545"/>
           </a:xfrm>
           <a:prstGeom prst="wedgeEllipseCallout">
@@ -22740,8 +22682,8 @@
           </a:xfrm>
           <a:prstGeom prst="wedgeEllipseCallout">
             <a:avLst>
-              <a:gd name="adj1" fmla="val -287337"/>
-              <a:gd name="adj2" fmla="val -4049"/>
+              <a:gd name="adj1" fmla="val -135717"/>
+              <a:gd name="adj2" fmla="val 1276"/>
             </a:avLst>
           </a:prstGeom>
           <a:solidFill>
@@ -22795,7 +22737,7 @@
           <p:nvPr>
             <p:extLst>
               <p:ext uri="{D42A27DB-BD31-4B8C-83A1-F6EECF244321}">
-                <p14:modId xmlns:p14="http://schemas.microsoft.com/office/powerpoint/2010/main" val="313601933"/>
+                <p14:modId xmlns:p14="http://schemas.microsoft.com/office/powerpoint/2010/main" val="451241705"/>
               </p:ext>
             </p:extLst>
           </p:nvPr>
@@ -23008,7 +22950,7 @@
                           </a:solidFill>
                           <a:latin typeface="+mn-lt"/>
                         </a:rPr>
-                        <a:t>プレイブック素材名</a:t>
+                        <a:t>オペレーション名</a:t>
                       </a:r>
                       <a:endParaRPr kumimoji="1" lang="ja-JP" altLang="en-US" sz="1200" b="1" dirty="0">
                         <a:solidFill>
@@ -24006,6 +23948,7 @@
             <a:r>
               <a:rPr lang="ja-JP" altLang="en-US" sz="1400" dirty="0" smtClean="0">
                 <a:latin typeface="+mn-ea"/>
+                <a:hlinkClick r:id="rId2" action="ppaction://hlinksldjump"/>
               </a:rPr>
               <a:t>シナリオ</a:t>
             </a:r>
@@ -24051,18 +23994,21 @@
             <a:r>
               <a:rPr lang="ja-JP" altLang="en-US" sz="1400" dirty="0" smtClean="0">
                 <a:latin typeface="+mn-ea"/>
+                <a:hlinkClick r:id="rId3" action="ppaction://hlinksldjump"/>
               </a:rPr>
               <a:t>新規</a:t>
             </a:r>
             <a:r>
               <a:rPr lang="ja-JP" altLang="en-US" sz="1400" dirty="0">
                 <a:latin typeface="+mn-ea"/>
+                <a:hlinkClick r:id="rId3" action="ppaction://hlinksldjump"/>
               </a:rPr>
               <a:t>ユーザの</a:t>
             </a:r>
             <a:r>
               <a:rPr lang="ja-JP" altLang="en-US" sz="1400" dirty="0" smtClean="0">
                 <a:latin typeface="+mn-ea"/>
+                <a:hlinkClick r:id="rId3" action="ppaction://hlinksldjump"/>
               </a:rPr>
               <a:t>作成</a:t>
             </a:r>
@@ -24078,12 +24024,14 @@
             <a:r>
               <a:rPr lang="ja-JP" altLang="en-US" sz="1400" dirty="0">
                 <a:latin typeface="+mn-ea"/>
+                <a:hlinkClick r:id="rId4" action="ppaction://hlinksldjump"/>
               </a:rPr>
               <a:t>ロールの</a:t>
             </a:r>
             <a:r>
               <a:rPr lang="ja-JP" altLang="en-US" sz="1400" dirty="0" smtClean="0">
                 <a:latin typeface="+mn-ea"/>
+                <a:hlinkClick r:id="rId4" action="ppaction://hlinksldjump"/>
               </a:rPr>
               <a:t>登録</a:t>
             </a:r>
@@ -24099,18 +24047,21 @@
             <a:r>
               <a:rPr lang="ja-JP" altLang="en-US" sz="1400" dirty="0" smtClean="0">
                 <a:latin typeface="+mn-ea"/>
+                <a:hlinkClick r:id="rId5" action="ppaction://hlinksldjump"/>
               </a:rPr>
               <a:t>ロール</a:t>
             </a:r>
             <a:r>
               <a:rPr lang="ja-JP" altLang="en-US" sz="1400" dirty="0">
                 <a:latin typeface="+mn-ea"/>
+                <a:hlinkClick r:id="rId5" action="ppaction://hlinksldjump"/>
               </a:rPr>
               <a:t>・メニュー</a:t>
             </a:r>
             <a:r>
               <a:rPr lang="ja-JP" altLang="en-US" sz="1400" dirty="0" smtClean="0">
                 <a:latin typeface="+mn-ea"/>
+                <a:hlinkClick r:id="rId5" action="ppaction://hlinksldjump"/>
               </a:rPr>
               <a:t>紐付</a:t>
             </a:r>
@@ -24126,18 +24077,21 @@
             <a:r>
               <a:rPr lang="ja-JP" altLang="en-US" sz="1400" dirty="0" smtClean="0">
                 <a:latin typeface="+mn-ea"/>
+                <a:hlinkClick r:id="rId6" action="ppaction://hlinksldjump"/>
               </a:rPr>
               <a:t>ロール</a:t>
             </a:r>
             <a:r>
               <a:rPr lang="ja-JP" altLang="en-US" sz="1400" dirty="0">
                 <a:latin typeface="+mn-ea"/>
+                <a:hlinkClick r:id="rId6" action="ppaction://hlinksldjump"/>
               </a:rPr>
               <a:t>・ユーザ</a:t>
             </a:r>
             <a:r>
               <a:rPr lang="ja-JP" altLang="en-US" sz="1400" dirty="0" smtClean="0">
                 <a:latin typeface="+mn-ea"/>
+                <a:hlinkClick r:id="rId6" action="ppaction://hlinksldjump"/>
               </a:rPr>
               <a:t>紐付</a:t>
             </a:r>
@@ -24153,6 +24107,7 @@
             <a:r>
               <a:rPr lang="ja-JP" altLang="en-US" sz="1400" dirty="0" smtClean="0">
                 <a:latin typeface="+mn-ea"/>
+                <a:hlinkClick r:id="rId7" action="ppaction://hlinksldjump"/>
               </a:rPr>
               <a:t>紐付確認</a:t>
             </a:r>
@@ -24192,6 +24147,7 @@
             <a:r>
               <a:rPr lang="ja-JP" altLang="en-US" sz="1400" dirty="0" smtClean="0">
                 <a:latin typeface="+mn-ea"/>
+                <a:hlinkClick r:id="rId8" action="ppaction://hlinksldjump"/>
               </a:rPr>
               <a:t>シナリオ</a:t>
             </a:r>
@@ -24207,6 +24163,7 @@
             <a:r>
               <a:rPr lang="ja-JP" altLang="en-US" sz="1400" dirty="0" smtClean="0">
                 <a:latin typeface="+mn-ea"/>
+                <a:hlinkClick r:id="rId9" action="ppaction://hlinksldjump"/>
               </a:rPr>
               <a:t>事前準備</a:t>
             </a:r>
@@ -24246,18 +24203,21 @@
             <a:r>
               <a:rPr lang="ja-JP" altLang="en-US" sz="1400" dirty="0" smtClean="0">
                 <a:latin typeface="+mn-ea"/>
+                <a:hlinkClick r:id="rId10" action="ppaction://hlinksldjump"/>
               </a:rPr>
               <a:t>作業</a:t>
             </a:r>
             <a:r>
               <a:rPr lang="ja-JP" altLang="en-US" sz="1400" dirty="0">
                 <a:latin typeface="+mn-ea"/>
+                <a:hlinkClick r:id="rId10" action="ppaction://hlinksldjump"/>
               </a:rPr>
               <a:t>対象ホストの</a:t>
             </a:r>
             <a:r>
               <a:rPr lang="ja-JP" altLang="en-US" sz="1400" dirty="0" smtClean="0">
                 <a:latin typeface="+mn-ea"/>
+                <a:hlinkClick r:id="rId10" action="ppaction://hlinksldjump"/>
               </a:rPr>
               <a:t>登録</a:t>
             </a:r>
@@ -24273,18 +24233,21 @@
             <a:r>
               <a:rPr lang="ja-JP" altLang="en-US" sz="1400" dirty="0" smtClean="0">
                 <a:latin typeface="+mn-ea"/>
+                <a:hlinkClick r:id="rId11" action="ppaction://hlinksldjump"/>
               </a:rPr>
               <a:t>オペレーション</a:t>
             </a:r>
             <a:r>
               <a:rPr lang="ja-JP" altLang="en-US" sz="1400" dirty="0">
                 <a:latin typeface="+mn-ea"/>
+                <a:hlinkClick r:id="rId11" action="ppaction://hlinksldjump"/>
               </a:rPr>
               <a:t>の</a:t>
             </a:r>
             <a:r>
               <a:rPr lang="ja-JP" altLang="en-US" sz="1400" dirty="0" smtClean="0">
                 <a:latin typeface="+mn-ea"/>
+                <a:hlinkClick r:id="rId11" action="ppaction://hlinksldjump"/>
               </a:rPr>
               <a:t>登録</a:t>
             </a:r>
@@ -24300,18 +24263,21 @@
             <a:r>
               <a:rPr lang="en-US" altLang="ja-JP" sz="1400" dirty="0" smtClean="0">
                 <a:latin typeface="+mn-ea"/>
+                <a:hlinkClick r:id="rId12" action="ppaction://hlinksldjump"/>
               </a:rPr>
               <a:t>IaC</a:t>
             </a:r>
             <a:r>
               <a:rPr lang="ja-JP" altLang="en-US" sz="1400" dirty="0">
                 <a:latin typeface="+mn-ea"/>
+                <a:hlinkClick r:id="rId12" action="ppaction://hlinksldjump"/>
               </a:rPr>
               <a:t>の</a:t>
             </a:r>
             <a:r>
               <a:rPr lang="ja-JP" altLang="en-US" sz="1400" dirty="0" smtClean="0">
                 <a:latin typeface="+mn-ea"/>
+                <a:hlinkClick r:id="rId12" action="ppaction://hlinksldjump"/>
               </a:rPr>
               <a:t>登録</a:t>
             </a:r>
@@ -24327,18 +24293,21 @@
             <a:r>
               <a:rPr lang="en-US" altLang="ja-JP" sz="1400" dirty="0" smtClean="0">
                 <a:latin typeface="+mn-ea"/>
+                <a:hlinkClick r:id="rId13" action="ppaction://hlinksldjump"/>
               </a:rPr>
               <a:t>Movement</a:t>
             </a:r>
             <a:r>
               <a:rPr lang="ja-JP" altLang="en-US" sz="1400" dirty="0">
                 <a:latin typeface="+mn-ea"/>
+                <a:hlinkClick r:id="rId13" action="ppaction://hlinksldjump"/>
               </a:rPr>
               <a:t>の</a:t>
             </a:r>
             <a:r>
               <a:rPr lang="ja-JP" altLang="en-US" sz="1400" dirty="0" smtClean="0">
                 <a:latin typeface="+mn-ea"/>
+                <a:hlinkClick r:id="rId13" action="ppaction://hlinksldjump"/>
               </a:rPr>
               <a:t>登録</a:t>
             </a:r>
@@ -24354,18 +24323,21 @@
             <a:r>
               <a:rPr lang="en-US" altLang="ja-JP" sz="1400" dirty="0" smtClean="0">
                 <a:latin typeface="+mn-ea"/>
+                <a:hlinkClick r:id="rId14" action="ppaction://hlinksldjump"/>
               </a:rPr>
               <a:t>Movement</a:t>
             </a:r>
             <a:r>
               <a:rPr lang="ja-JP" altLang="en-US" sz="1400" dirty="0">
                 <a:latin typeface="+mn-ea"/>
+                <a:hlinkClick r:id="rId14" action="ppaction://hlinksldjump"/>
               </a:rPr>
               <a:t>詳細の</a:t>
             </a:r>
             <a:r>
               <a:rPr lang="ja-JP" altLang="en-US" sz="1400" dirty="0" smtClean="0">
                 <a:latin typeface="+mn-ea"/>
+                <a:hlinkClick r:id="rId14" action="ppaction://hlinksldjump"/>
               </a:rPr>
               <a:t>登録</a:t>
             </a:r>
@@ -24381,30 +24353,35 @@
             <a:r>
               <a:rPr lang="ja-JP" altLang="en-US" sz="1400" dirty="0" smtClean="0">
                 <a:latin typeface="+mn-ea"/>
+                <a:hlinkClick r:id="rId15" action="ppaction://hlinksldjump"/>
               </a:rPr>
               <a:t>オペレーション</a:t>
             </a:r>
             <a:r>
               <a:rPr lang="ja-JP" altLang="en-US" sz="1400" dirty="0">
                 <a:latin typeface="+mn-ea"/>
+                <a:hlinkClick r:id="rId15" action="ppaction://hlinksldjump"/>
               </a:rPr>
               <a:t>に関連付く</a:t>
             </a:r>
             <a:r>
               <a:rPr lang="en-US" altLang="ja-JP" sz="1400" dirty="0">
                 <a:latin typeface="+mn-ea"/>
+                <a:hlinkClick r:id="rId15" action="ppaction://hlinksldjump"/>
               </a:rPr>
               <a:t>Movement</a:t>
             </a:r>
             <a:r>
               <a:rPr lang="ja-JP" altLang="en-US" sz="1400" dirty="0">
                 <a:latin typeface="+mn-ea"/>
+                <a:hlinkClick r:id="rId15" action="ppaction://hlinksldjump"/>
               </a:rPr>
               <a:t>とホストの</a:t>
             </a:r>
             <a:r>
               <a:rPr lang="ja-JP" altLang="en-US" sz="1400" dirty="0" smtClean="0">
                 <a:latin typeface="+mn-ea"/>
+                <a:hlinkClick r:id="rId15" action="ppaction://hlinksldjump"/>
               </a:rPr>
               <a:t>登録</a:t>
             </a:r>
@@ -24420,6 +24397,7 @@
             <a:r>
               <a:rPr lang="ja-JP" altLang="en-US" sz="1400" dirty="0" smtClean="0">
                 <a:latin typeface="+mn-ea"/>
+                <a:hlinkClick r:id="rId16" action="ppaction://hlinksldjump"/>
               </a:rPr>
               <a:t>代入値管理</a:t>
             </a:r>
@@ -24435,18 +24413,21 @@
             <a:r>
               <a:rPr lang="en-US" altLang="ja-JP" sz="1400" dirty="0" smtClean="0">
                 <a:latin typeface="+mn-ea"/>
+                <a:hlinkClick r:id="rId17" action="ppaction://hlinksldjump"/>
               </a:rPr>
               <a:t>Symphony</a:t>
             </a:r>
             <a:r>
               <a:rPr lang="ja-JP" altLang="en-US" sz="1400" dirty="0">
                 <a:latin typeface="+mn-ea"/>
+                <a:hlinkClick r:id="rId17" action="ppaction://hlinksldjump"/>
               </a:rPr>
               <a:t>の</a:t>
             </a:r>
             <a:r>
               <a:rPr lang="ja-JP" altLang="en-US" sz="1400" dirty="0" smtClean="0">
                 <a:latin typeface="+mn-ea"/>
+                <a:hlinkClick r:id="rId17" action="ppaction://hlinksldjump"/>
               </a:rPr>
               <a:t>登録</a:t>
             </a:r>
@@ -24462,18 +24443,21 @@
             <a:r>
               <a:rPr lang="en-US" altLang="ja-JP" sz="1400" dirty="0" smtClean="0">
                 <a:latin typeface="+mn-ea"/>
+                <a:hlinkClick r:id="rId18" action="ppaction://hlinksldjump"/>
               </a:rPr>
               <a:t>Symphony</a:t>
             </a:r>
             <a:r>
               <a:rPr lang="ja-JP" altLang="en-US" sz="1400" dirty="0">
                 <a:latin typeface="+mn-ea"/>
+                <a:hlinkClick r:id="rId18" action="ppaction://hlinksldjump"/>
               </a:rPr>
               <a:t>の</a:t>
             </a:r>
             <a:r>
               <a:rPr lang="ja-JP" altLang="en-US" sz="1400" dirty="0" smtClean="0">
                 <a:latin typeface="+mn-ea"/>
+                <a:hlinkClick r:id="rId18" action="ppaction://hlinksldjump"/>
               </a:rPr>
               <a:t>実行</a:t>
             </a:r>
@@ -24489,18 +24473,21 @@
             <a:r>
               <a:rPr lang="en-US" altLang="ja-JP" sz="1400" dirty="0" smtClean="0">
                 <a:latin typeface="+mn-ea"/>
+                <a:hlinkClick r:id="rId19" action="ppaction://hlinksldjump"/>
               </a:rPr>
               <a:t>Symphony</a:t>
             </a:r>
             <a:r>
               <a:rPr lang="ja-JP" altLang="en-US" sz="1400" dirty="0">
                 <a:latin typeface="+mn-ea"/>
+                <a:hlinkClick r:id="rId19" action="ppaction://hlinksldjump"/>
               </a:rPr>
               <a:t>完了</a:t>
             </a:r>
             <a:r>
               <a:rPr lang="ja-JP" altLang="en-US" sz="1400" dirty="0" smtClean="0">
                 <a:latin typeface="+mn-ea"/>
+                <a:hlinkClick r:id="rId19" action="ppaction://hlinksldjump"/>
               </a:rPr>
               <a:t>確認</a:t>
             </a:r>
@@ -24549,28 +24536,21 @@
       </p:grpSpPr>
       <p:pic>
         <p:nvPicPr>
-          <p:cNvPr id="3" name="図 2"/>
+          <p:cNvPr id="4" name="図 3"/>
           <p:cNvPicPr>
             <a:picLocks noChangeAspect="1"/>
           </p:cNvPicPr>
           <p:nvPr/>
         </p:nvPicPr>
-        <p:blipFill>
-          <a:blip r:embed="rId3">
-            <a:extLst>
-              <a:ext uri="{28A0092B-C50C-407E-A947-70E740481C1C}">
-                <a14:useLocalDpi xmlns:a14="http://schemas.microsoft.com/office/drawing/2010/main" val="0"/>
-              </a:ext>
-            </a:extLst>
-          </a:blip>
-          <a:stretch>
-            <a:fillRect/>
-          </a:stretch>
+        <p:blipFill rotWithShape="1">
+          <a:blip r:embed="rId3"/>
+          <a:srcRect l="12713" t="26150" r="14987" b="36643"/>
+          <a:stretch/>
         </p:blipFill>
         <p:spPr>
           <a:xfrm>
-            <a:off x="938349" y="2996940"/>
-            <a:ext cx="5876987" cy="2778976"/>
+            <a:off x="589627" y="3185570"/>
+            <a:ext cx="6552910" cy="2073521"/>
           </a:xfrm>
           <a:prstGeom prst="rect">
             <a:avLst/>
@@ -24673,7 +24653,19 @@
             </a:r>
             <a:r>
               <a:rPr lang="ja-JP" altLang="en-US" dirty="0" smtClean="0"/>
-              <a:t>「プレイブック素材集」メニュー </a:t>
+              <a:t>「</a:t>
+            </a:r>
+            <a:r>
+              <a:rPr lang="en-US" altLang="ja-JP" dirty="0"/>
+              <a:t>Playbook</a:t>
+            </a:r>
+            <a:r>
+              <a:rPr lang="ja-JP" altLang="en-US" dirty="0" smtClean="0"/>
+              <a:t>素材集</a:t>
+            </a:r>
+            <a:r>
+              <a:rPr lang="ja-JP" altLang="en-US" dirty="0" smtClean="0"/>
+              <a:t>」メニュー </a:t>
             </a:r>
             <a:r>
               <a:rPr lang="en-US" altLang="ja-JP" dirty="0" smtClean="0"/>
@@ -24719,8 +24711,12 @@
               <a:t>「</a:t>
             </a:r>
             <a:r>
-              <a:rPr lang="ja-JP" altLang="en-US" dirty="0"/>
-              <a:t>プレイブック素材名</a:t>
+              <a:rPr lang="en-US" altLang="ja-JP" dirty="0"/>
+              <a:t>Playbook</a:t>
+            </a:r>
+            <a:r>
+              <a:rPr lang="ja-JP" altLang="en-US" dirty="0" smtClean="0"/>
+              <a:t>素材名</a:t>
             </a:r>
             <a:r>
               <a:rPr lang="ja-JP" altLang="en-US" dirty="0" smtClean="0"/>
@@ -24738,12 +24734,16 @@
               <a:t>「</a:t>
             </a:r>
             <a:r>
-              <a:rPr lang="ja-JP" altLang="en-US" dirty="0"/>
-              <a:t>プレイブック</a:t>
+              <a:rPr lang="en-US" altLang="ja-JP" dirty="0"/>
+              <a:t>Playbook</a:t>
             </a:r>
             <a:r>
               <a:rPr lang="ja-JP" altLang="en-US" dirty="0" smtClean="0"/>
-              <a:t>素材」欄の「参照」ボタンを押下し</a:t>
+              <a:t>素材</a:t>
+            </a:r>
+            <a:r>
+              <a:rPr lang="ja-JP" altLang="en-US" dirty="0" smtClean="0"/>
+              <a:t>」欄の「参照」ボタンを押下し</a:t>
             </a:r>
             <a:r>
               <a:rPr lang="en-US" altLang="ja-JP" dirty="0" smtClean="0"/>
@@ -24822,8 +24822,8 @@
         </p:nvSpPr>
         <p:spPr bwMode="auto">
           <a:xfrm>
-            <a:off x="2061550" y="4264809"/>
-            <a:ext cx="1889090" cy="670042"/>
+            <a:off x="1043510" y="3536042"/>
+            <a:ext cx="2448340" cy="1089382"/>
           </a:xfrm>
           <a:prstGeom prst="roundRect">
             <a:avLst>
@@ -24866,8 +24866,8 @@
         </p:nvSpPr>
         <p:spPr bwMode="auto">
           <a:xfrm>
-            <a:off x="2681777" y="5186757"/>
-            <a:ext cx="900000" cy="216000"/>
+            <a:off x="1941364" y="4882484"/>
+            <a:ext cx="1262445" cy="216000"/>
           </a:xfrm>
           <a:prstGeom prst="roundRect">
             <a:avLst>
@@ -26323,7 +26323,7 @@
         </p:nvSpPr>
         <p:spPr bwMode="auto">
           <a:xfrm>
-            <a:off x="3631823" y="5146536"/>
+            <a:off x="3312374" y="4886547"/>
             <a:ext cx="237985" cy="268430"/>
           </a:xfrm>
           <a:prstGeom prst="wedgeEllipseCallout">
@@ -26494,7 +26494,7 @@
           <p:nvPr>
             <p:extLst>
               <p:ext uri="{D42A27DB-BD31-4B8C-83A1-F6EECF244321}">
-                <p14:modId xmlns:p14="http://schemas.microsoft.com/office/powerpoint/2010/main" val="485459889"/>
+                <p14:modId xmlns:p14="http://schemas.microsoft.com/office/powerpoint/2010/main" val="3632484727"/>
               </p:ext>
             </p:extLst>
           </p:nvPr>
@@ -26701,13 +26701,22 @@
                     <a:lstStyle/>
                     <a:p>
                       <a:r>
+                        <a:rPr kumimoji="1" lang="en-US" altLang="ja-JP" sz="1200" b="1" dirty="0" smtClean="0">
+                          <a:solidFill>
+                            <a:schemeClr val="tx1"/>
+                          </a:solidFill>
+                          <a:latin typeface="+mn-lt"/>
+                        </a:rPr>
+                        <a:t>Playbook</a:t>
+                      </a:r>
+                      <a:r>
                         <a:rPr kumimoji="1" lang="ja-JP" altLang="en-US" sz="1200" b="1" dirty="0" smtClean="0">
                           <a:solidFill>
                             <a:schemeClr val="tx1"/>
                           </a:solidFill>
                           <a:latin typeface="+mn-lt"/>
                         </a:rPr>
-                        <a:t>プレイブック素材名</a:t>
+                        <a:t>素材名</a:t>
                       </a:r>
                       <a:endParaRPr kumimoji="1" lang="ja-JP" altLang="en-US" sz="1200" b="1" dirty="0">
                         <a:solidFill>
@@ -26868,13 +26877,22 @@
                     <a:lstStyle/>
                     <a:p>
                       <a:r>
+                        <a:rPr kumimoji="1" lang="en-US" altLang="ja-JP" sz="1200" b="1" dirty="0" smtClean="0">
+                          <a:solidFill>
+                            <a:schemeClr val="tx1"/>
+                          </a:solidFill>
+                          <a:latin typeface="+mn-lt"/>
+                        </a:rPr>
+                        <a:t>Playbook</a:t>
+                      </a:r>
+                      <a:r>
                         <a:rPr kumimoji="1" lang="ja-JP" altLang="en-US" sz="1200" b="1" dirty="0" smtClean="0">
                           <a:solidFill>
                             <a:schemeClr val="tx1"/>
                           </a:solidFill>
                           <a:latin typeface="+mn-lt"/>
                         </a:rPr>
-                        <a:t>プレイブック素材</a:t>
+                        <a:t>素材</a:t>
                       </a:r>
                       <a:endParaRPr kumimoji="1" lang="ja-JP" altLang="en-US" sz="1200" b="1" dirty="0">
                         <a:solidFill>
@@ -27082,27 +27100,21 @@
       </p:grpSpPr>
       <p:pic>
         <p:nvPicPr>
-          <p:cNvPr id="4" name="図 3"/>
+          <p:cNvPr id="3" name="図 2"/>
           <p:cNvPicPr>
             <a:picLocks noChangeAspect="1"/>
           </p:cNvPicPr>
           <p:nvPr/>
         </p:nvPicPr>
         <p:blipFill rotWithShape="1">
-          <a:blip r:embed="rId3">
-            <a:extLst>
-              <a:ext uri="{28A0092B-C50C-407E-A947-70E740481C1C}">
-                <a14:useLocalDpi xmlns:a14="http://schemas.microsoft.com/office/drawing/2010/main" val="0"/>
-              </a:ext>
-            </a:extLst>
-          </a:blip>
-          <a:srcRect r="25040"/>
+          <a:blip r:embed="rId3"/>
+          <a:srcRect l="10643" t="26559" r="51321" b="40309"/>
           <a:stretch/>
         </p:blipFill>
         <p:spPr>
           <a:xfrm>
-            <a:off x="827479" y="2454473"/>
-            <a:ext cx="5774441" cy="3782917"/>
+            <a:off x="611450" y="3084453"/>
+            <a:ext cx="6152826" cy="2648867"/>
           </a:xfrm>
           <a:prstGeom prst="rect">
             <a:avLst/>
@@ -27316,8 +27328,8 @@
         </p:nvSpPr>
         <p:spPr bwMode="auto">
           <a:xfrm>
-            <a:off x="2449208" y="4129567"/>
-            <a:ext cx="2410832" cy="848037"/>
+            <a:off x="1488995" y="3595019"/>
+            <a:ext cx="3882084" cy="1231754"/>
           </a:xfrm>
           <a:prstGeom prst="roundRect">
             <a:avLst>
@@ -27360,8 +27372,8 @@
         </p:nvSpPr>
         <p:spPr bwMode="auto">
           <a:xfrm>
-            <a:off x="3108999" y="5226515"/>
-            <a:ext cx="1188000" cy="262415"/>
+            <a:off x="2494345" y="5301261"/>
+            <a:ext cx="1728240" cy="275060"/>
           </a:xfrm>
           <a:prstGeom prst="roundRect">
             <a:avLst>
@@ -28263,7 +28275,7 @@
         </p:nvSpPr>
         <p:spPr bwMode="auto">
           <a:xfrm>
-            <a:off x="4390914" y="5220500"/>
+            <a:off x="4333528" y="5301261"/>
             <a:ext cx="237985" cy="268430"/>
           </a:xfrm>
           <a:prstGeom prst="wedgeEllipseCallout">
@@ -28322,7 +28334,7 @@
         </p:nvSpPr>
         <p:spPr bwMode="auto">
           <a:xfrm>
-            <a:off x="4644010" y="2709757"/>
+            <a:off x="4812727" y="2137306"/>
             <a:ext cx="2220132" cy="1260000"/>
           </a:xfrm>
           <a:prstGeom prst="roundRect">
@@ -28386,13 +28398,13 @@
         </p:nvSpPr>
         <p:spPr bwMode="auto">
           <a:xfrm>
-            <a:off x="4596697" y="2686897"/>
+            <a:off x="4712777" y="1988008"/>
             <a:ext cx="301542" cy="312200"/>
           </a:xfrm>
           <a:prstGeom prst="wedgeEllipseCallout">
             <a:avLst>
-              <a:gd name="adj1" fmla="val -438957"/>
-              <a:gd name="adj2" fmla="val 423080"/>
+              <a:gd name="adj1" fmla="val -276310"/>
+              <a:gd name="adj2" fmla="val 463019"/>
             </a:avLst>
           </a:prstGeom>
           <a:solidFill>
@@ -28446,13 +28458,13 @@
           <p:nvPr>
             <p:extLst>
               <p:ext uri="{D42A27DB-BD31-4B8C-83A1-F6EECF244321}">
-                <p14:modId xmlns:p14="http://schemas.microsoft.com/office/powerpoint/2010/main" val="3999258991"/>
+                <p14:modId xmlns:p14="http://schemas.microsoft.com/office/powerpoint/2010/main" val="3878310363"/>
               </p:ext>
             </p:extLst>
           </p:nvPr>
         </p:nvGraphicFramePr>
         <p:xfrm>
-          <a:off x="4725926" y="3070372"/>
+          <a:off x="4894643" y="2497921"/>
           <a:ext cx="2038350" cy="822960"/>
         </p:xfrm>
         <a:graphic>
@@ -29043,28 +29055,21 @@
       </p:grpSpPr>
       <p:pic>
         <p:nvPicPr>
-          <p:cNvPr id="3" name="図 2"/>
+          <p:cNvPr id="4" name="図 3"/>
           <p:cNvPicPr>
             <a:picLocks noChangeAspect="1"/>
           </p:cNvPicPr>
           <p:nvPr/>
         </p:nvPicPr>
-        <p:blipFill>
-          <a:blip r:embed="rId3">
-            <a:extLst>
-              <a:ext uri="{28A0092B-C50C-407E-A947-70E740481C1C}">
-                <a14:useLocalDpi xmlns:a14="http://schemas.microsoft.com/office/drawing/2010/main" val="0"/>
-              </a:ext>
-            </a:extLst>
-          </a:blip>
-          <a:stretch>
-            <a:fillRect/>
-          </a:stretch>
+        <p:blipFill rotWithShape="1">
+          <a:blip r:embed="rId3"/>
+          <a:srcRect l="10329" t="25874" r="40801" b="41783"/>
+          <a:stretch/>
         </p:blipFill>
         <p:spPr>
           <a:xfrm>
-            <a:off x="683460" y="2637250"/>
-            <a:ext cx="6402247" cy="3036729"/>
+            <a:off x="466536" y="2703323"/>
+            <a:ext cx="6624920" cy="2154211"/>
           </a:xfrm>
           <a:prstGeom prst="rect">
             <a:avLst/>
@@ -29171,15 +29176,15 @@
             </a:r>
             <a:r>
               <a:rPr lang="en-US" altLang="ja-JP" dirty="0" smtClean="0"/>
-              <a:t>Movement</a:t>
-            </a:r>
-            <a:r>
-              <a:rPr lang="ja-JP" altLang="en-US" dirty="0"/>
-              <a:t>詳細</a:t>
+              <a:t>Movement-Playbook</a:t>
             </a:r>
             <a:r>
               <a:rPr lang="ja-JP" altLang="en-US" dirty="0" smtClean="0"/>
-              <a:t>」メニュー </a:t>
+              <a:t>紐付」</a:t>
+            </a:r>
+            <a:r>
+              <a:rPr lang="ja-JP" altLang="en-US" dirty="0" smtClean="0"/>
+              <a:t>メニュー </a:t>
             </a:r>
             <a:r>
               <a:rPr lang="en-US" altLang="ja-JP" dirty="0" smtClean="0"/>
@@ -29230,7 +29235,23 @@
             </a:r>
             <a:r>
               <a:rPr lang="ja-JP" altLang="en-US" dirty="0" smtClean="0"/>
-              <a:t>」「プレイブック素材」「インクルード順序」を入力</a:t>
+              <a:t>」</a:t>
+            </a:r>
+            <a:r>
+              <a:rPr lang="ja-JP" altLang="en-US" dirty="0" smtClean="0"/>
+              <a:t>「</a:t>
+            </a:r>
+            <a:r>
+              <a:rPr lang="en-US" altLang="ja-JP" dirty="0" smtClean="0"/>
+              <a:t>Playbook</a:t>
+            </a:r>
+            <a:r>
+              <a:rPr lang="ja-JP" altLang="en-US" dirty="0" smtClean="0"/>
+              <a:t>素材</a:t>
+            </a:r>
+            <a:r>
+              <a:rPr lang="ja-JP" altLang="en-US" dirty="0" smtClean="0"/>
+              <a:t>」「インクルード順序」を入力</a:t>
             </a:r>
             <a:endParaRPr lang="en-US" altLang="ja-JP" dirty="0" smtClean="0"/>
           </a:p>
@@ -29263,8 +29284,8 @@
         </p:nvSpPr>
         <p:spPr bwMode="auto">
           <a:xfrm>
-            <a:off x="1901678" y="4025526"/>
-            <a:ext cx="2772000" cy="558793"/>
+            <a:off x="1092754" y="3169029"/>
+            <a:ext cx="4847435" cy="908061"/>
           </a:xfrm>
           <a:prstGeom prst="roundRect">
             <a:avLst>
@@ -29307,8 +29328,8 @@
         </p:nvSpPr>
         <p:spPr bwMode="auto">
           <a:xfrm>
-            <a:off x="2583707" y="4817094"/>
-            <a:ext cx="976621" cy="224517"/>
+            <a:off x="2062068" y="4466649"/>
+            <a:ext cx="1458817" cy="224517"/>
           </a:xfrm>
           <a:prstGeom prst="roundRect">
             <a:avLst>
@@ -30210,7 +30231,7 @@
         </p:nvSpPr>
         <p:spPr bwMode="auto">
           <a:xfrm>
-            <a:off x="3626770" y="4795137"/>
+            <a:off x="3645502" y="4472272"/>
             <a:ext cx="237985" cy="268430"/>
           </a:xfrm>
           <a:prstGeom prst="wedgeEllipseCallout">
@@ -30269,7 +30290,7 @@
         </p:nvSpPr>
         <p:spPr bwMode="auto">
           <a:xfrm>
-            <a:off x="4411809" y="4724293"/>
+            <a:off x="4340711" y="4289567"/>
             <a:ext cx="2520000" cy="1548000"/>
           </a:xfrm>
           <a:prstGeom prst="roundRect">
@@ -30333,7 +30354,7 @@
         </p:nvSpPr>
         <p:spPr bwMode="auto">
           <a:xfrm>
-            <a:off x="4364498" y="4701434"/>
+            <a:off x="4293400" y="4266708"/>
             <a:ext cx="301542" cy="312200"/>
           </a:xfrm>
           <a:prstGeom prst="wedgeEllipseCallout">
@@ -30393,13 +30414,13 @@
           <p:nvPr>
             <p:extLst>
               <p:ext uri="{D42A27DB-BD31-4B8C-83A1-F6EECF244321}">
-                <p14:modId xmlns:p14="http://schemas.microsoft.com/office/powerpoint/2010/main" val="94665492"/>
+                <p14:modId xmlns:p14="http://schemas.microsoft.com/office/powerpoint/2010/main" val="4018978990"/>
               </p:ext>
             </p:extLst>
           </p:nvPr>
         </p:nvGraphicFramePr>
         <p:xfrm>
-          <a:off x="4516587" y="5084909"/>
+          <a:off x="4445489" y="4650183"/>
           <a:ext cx="2312035" cy="1097280"/>
         </p:xfrm>
         <a:graphic>
@@ -30767,13 +30788,22 @@
                     <a:lstStyle/>
                     <a:p>
                       <a:r>
+                        <a:rPr kumimoji="1" lang="en-US" altLang="ja-JP" sz="1200" b="1" dirty="0" smtClean="0">
+                          <a:solidFill>
+                            <a:schemeClr val="tx1"/>
+                          </a:solidFill>
+                          <a:latin typeface="+mn-lt"/>
+                        </a:rPr>
+                        <a:t>playbook</a:t>
+                      </a:r>
+                      <a:r>
                         <a:rPr kumimoji="1" lang="ja-JP" altLang="en-US" sz="1200" b="1" dirty="0" smtClean="0">
                           <a:solidFill>
                             <a:schemeClr val="tx1"/>
                           </a:solidFill>
                           <a:latin typeface="+mn-lt"/>
                         </a:rPr>
-                        <a:t>プレイブック素材</a:t>
+                        <a:t>素材</a:t>
                       </a:r>
                       <a:endParaRPr kumimoji="1" lang="ja-JP" altLang="en-US" sz="1200" b="1" dirty="0">
                         <a:solidFill>
@@ -31159,27 +31189,21 @@
       </p:grpSpPr>
       <p:pic>
         <p:nvPicPr>
-          <p:cNvPr id="4" name="図 3"/>
+          <p:cNvPr id="3" name="図 2"/>
           <p:cNvPicPr>
             <a:picLocks noChangeAspect="1"/>
           </p:cNvPicPr>
           <p:nvPr/>
         </p:nvPicPr>
         <p:blipFill rotWithShape="1">
-          <a:blip r:embed="rId3">
-            <a:extLst>
-              <a:ext uri="{28A0092B-C50C-407E-A947-70E740481C1C}">
-                <a14:useLocalDpi xmlns:a14="http://schemas.microsoft.com/office/drawing/2010/main" val="0"/>
-              </a:ext>
-            </a:extLst>
-          </a:blip>
-          <a:srcRect r="19912"/>
+          <a:blip r:embed="rId3"/>
+          <a:srcRect l="-1" r="50410"/>
           <a:stretch/>
         </p:blipFill>
         <p:spPr>
           <a:xfrm>
-            <a:off x="795027" y="2431433"/>
-            <a:ext cx="5888372" cy="3482127"/>
+            <a:off x="587853" y="2606773"/>
+            <a:ext cx="6301795" cy="2311862"/>
           </a:xfrm>
           <a:prstGeom prst="rect">
             <a:avLst/>
@@ -31386,8 +31410,8 @@
         </p:nvSpPr>
         <p:spPr bwMode="auto">
           <a:xfrm>
-            <a:off x="2208195" y="4020413"/>
-            <a:ext cx="4320000" cy="612000"/>
+            <a:off x="1187530" y="3127770"/>
+            <a:ext cx="5702118" cy="949319"/>
           </a:xfrm>
           <a:prstGeom prst="roundRect">
             <a:avLst>
@@ -31430,8 +31454,8 @@
         </p:nvSpPr>
         <p:spPr bwMode="auto">
           <a:xfrm>
-            <a:off x="2973437" y="4925323"/>
-            <a:ext cx="1142651" cy="275968"/>
+            <a:off x="2298478" y="4468000"/>
+            <a:ext cx="1553422" cy="275968"/>
           </a:xfrm>
           <a:prstGeom prst="roundRect">
             <a:avLst>
@@ -32345,7 +32369,7 @@
         </p:nvSpPr>
         <p:spPr bwMode="auto">
           <a:xfrm>
-            <a:off x="4198375" y="4918635"/>
+            <a:off x="3975369" y="4468000"/>
             <a:ext cx="237985" cy="268430"/>
           </a:xfrm>
           <a:prstGeom prst="wedgeEllipseCallout">
@@ -32404,7 +32428,7 @@
         </p:nvSpPr>
         <p:spPr bwMode="auto">
           <a:xfrm>
-            <a:off x="4567525" y="4761400"/>
+            <a:off x="4567525" y="4329340"/>
             <a:ext cx="2484000" cy="1548000"/>
           </a:xfrm>
           <a:prstGeom prst="roundRect">
@@ -32468,13 +32492,13 @@
         </p:nvSpPr>
         <p:spPr bwMode="auto">
           <a:xfrm>
-            <a:off x="4520214" y="4738541"/>
+            <a:off x="4520214" y="4306481"/>
             <a:ext cx="301542" cy="312200"/>
           </a:xfrm>
           <a:prstGeom prst="wedgeEllipseCallout">
             <a:avLst>
-              <a:gd name="adj1" fmla="val -4312"/>
-              <a:gd name="adj2" fmla="val -106561"/>
+              <a:gd name="adj1" fmla="val 1304"/>
+              <a:gd name="adj2" fmla="val -120121"/>
             </a:avLst>
           </a:prstGeom>
           <a:solidFill>
@@ -32528,13 +32552,13 @@
           <p:nvPr>
             <p:extLst>
               <p:ext uri="{D42A27DB-BD31-4B8C-83A1-F6EECF244321}">
-                <p14:modId xmlns:p14="http://schemas.microsoft.com/office/powerpoint/2010/main" val="4127787465"/>
+                <p14:modId xmlns:p14="http://schemas.microsoft.com/office/powerpoint/2010/main" val="3267782600"/>
               </p:ext>
             </p:extLst>
           </p:nvPr>
         </p:nvGraphicFramePr>
         <p:xfrm>
-          <a:off x="4672303" y="5122016"/>
+          <a:off x="4672303" y="4689956"/>
           <a:ext cx="2278063" cy="1097280"/>
         </p:xfrm>
         <a:graphic>
@@ -33300,27 +33324,21 @@
       </p:grpSpPr>
       <p:pic>
         <p:nvPicPr>
-          <p:cNvPr id="3" name="図 2"/>
+          <p:cNvPr id="6" name="図 5"/>
           <p:cNvPicPr>
             <a:picLocks noChangeAspect="1"/>
           </p:cNvPicPr>
           <p:nvPr/>
         </p:nvPicPr>
         <p:blipFill rotWithShape="1">
-          <a:blip r:embed="rId3">
-            <a:extLst>
-              <a:ext uri="{28A0092B-C50C-407E-A947-70E740481C1C}">
-                <a14:useLocalDpi xmlns:a14="http://schemas.microsoft.com/office/drawing/2010/main" val="0"/>
-              </a:ext>
-            </a:extLst>
-          </a:blip>
-          <a:srcRect r="14509"/>
+          <a:blip r:embed="rId3"/>
+          <a:srcRect r="18685"/>
           <a:stretch/>
         </p:blipFill>
         <p:spPr>
           <a:xfrm>
-            <a:off x="774563" y="2990086"/>
-            <a:ext cx="5989250" cy="3320326"/>
+            <a:off x="116206" y="2677264"/>
+            <a:ext cx="7849091" cy="1845945"/>
           </a:xfrm>
           <a:prstGeom prst="rect">
             <a:avLst/>
@@ -33512,8 +33530,8 @@
         </p:nvSpPr>
         <p:spPr bwMode="auto">
           <a:xfrm>
-            <a:off x="2112760" y="4501356"/>
-            <a:ext cx="4422043" cy="648964"/>
+            <a:off x="586681" y="3044133"/>
+            <a:ext cx="6564471" cy="865391"/>
           </a:xfrm>
           <a:prstGeom prst="roundRect">
             <a:avLst>
@@ -33556,8 +33574,8 @@
         </p:nvSpPr>
         <p:spPr bwMode="auto">
           <a:xfrm>
-            <a:off x="2837786" y="5371866"/>
-            <a:ext cx="1080000" cy="252000"/>
+            <a:off x="1403560" y="4174201"/>
+            <a:ext cx="1224170" cy="252000"/>
           </a:xfrm>
           <a:prstGeom prst="roundRect">
             <a:avLst>
@@ -34459,7 +34477,7 @@
         </p:nvSpPr>
         <p:spPr bwMode="auto">
           <a:xfrm>
-            <a:off x="4004573" y="5366350"/>
+            <a:off x="2742150" y="4182715"/>
             <a:ext cx="237985" cy="268430"/>
           </a:xfrm>
           <a:prstGeom prst="wedgeEllipseCallout">
@@ -34518,8 +34536,8 @@
         </p:nvSpPr>
         <p:spPr bwMode="auto">
           <a:xfrm>
-            <a:off x="3906264" y="2220468"/>
-            <a:ext cx="3060000" cy="2088000"/>
+            <a:off x="4020660" y="4049060"/>
+            <a:ext cx="3060000" cy="2404127"/>
           </a:xfrm>
           <a:prstGeom prst="roundRect">
             <a:avLst>
@@ -34582,13 +34600,13 @@
         </p:nvSpPr>
         <p:spPr bwMode="auto">
           <a:xfrm>
-            <a:off x="3858953" y="2197609"/>
+            <a:off x="3973349" y="4026202"/>
             <a:ext cx="301542" cy="312200"/>
           </a:xfrm>
           <a:prstGeom prst="wedgeEllipseCallout">
             <a:avLst>
-              <a:gd name="adj1" fmla="val -464228"/>
-              <a:gd name="adj2" fmla="val 728173"/>
+              <a:gd name="adj1" fmla="val -167304"/>
+              <a:gd name="adj2" fmla="val -95578"/>
             </a:avLst>
           </a:prstGeom>
           <a:solidFill>
@@ -34642,14 +34660,14 @@
           <p:nvPr>
             <p:extLst>
               <p:ext uri="{D42A27DB-BD31-4B8C-83A1-F6EECF244321}">
-                <p14:modId xmlns:p14="http://schemas.microsoft.com/office/powerpoint/2010/main" val="409298760"/>
+                <p14:modId xmlns:p14="http://schemas.microsoft.com/office/powerpoint/2010/main" val="2497992052"/>
               </p:ext>
             </p:extLst>
           </p:nvPr>
         </p:nvGraphicFramePr>
         <p:xfrm>
-          <a:off x="4023682" y="2572471"/>
-          <a:ext cx="2827338" cy="1645920"/>
+          <a:off x="4130990" y="4426201"/>
+          <a:ext cx="2827338" cy="1920240"/>
         </p:xfrm>
         <a:graphic>
           <a:graphicData uri="http://schemas.openxmlformats.org/drawingml/2006/table">
@@ -35546,6 +35564,199 @@
                 <a:extLst>
                   <a:ext uri="{0D108BD9-81ED-4DB2-BD59-A6C34878D82A}">
                     <a16:rowId xmlns:a16="http://schemas.microsoft.com/office/drawing/2014/main" val="1847590974"/>
+                  </a:ext>
+                </a:extLst>
+              </a:tr>
+              <a:tr h="270234">
+                <a:tc>
+                  <a:txBody>
+                    <a:bodyPr/>
+                    <a:lstStyle/>
+                    <a:p>
+                      <a:r>
+                        <a:rPr kumimoji="1" lang="en-US" altLang="ja-JP" sz="1200" b="1" dirty="0" smtClean="0">
+                          <a:solidFill>
+                            <a:schemeClr val="tx1"/>
+                          </a:solidFill>
+                          <a:latin typeface="+mn-lt"/>
+                        </a:rPr>
+                        <a:t>Sensitive</a:t>
+                      </a:r>
+                      <a:r>
+                        <a:rPr kumimoji="1" lang="ja-JP" altLang="en-US" sz="1200" b="1" dirty="0" smtClean="0">
+                          <a:solidFill>
+                            <a:schemeClr val="tx1"/>
+                          </a:solidFill>
+                          <a:latin typeface="+mn-lt"/>
+                        </a:rPr>
+                        <a:t>設定</a:t>
+                      </a:r>
+                      <a:endParaRPr kumimoji="1" lang="ja-JP" altLang="en-US" sz="1200" b="1" dirty="0">
+                        <a:solidFill>
+                          <a:schemeClr val="tx1"/>
+                        </a:solidFill>
+                        <a:latin typeface="+mn-lt"/>
+                      </a:endParaRPr>
+                    </a:p>
+                  </a:txBody>
+                  <a:tcPr>
+                    <a:lnL w="12700" cap="flat" cmpd="sng" algn="ctr">
+                      <a:solidFill>
+                        <a:schemeClr val="bg1">
+                          <a:lumMod val="85000"/>
+                        </a:schemeClr>
+                      </a:solidFill>
+                      <a:prstDash val="solid"/>
+                      <a:round/>
+                      <a:headEnd type="none" w="med" len="med"/>
+                      <a:tailEnd type="none" w="med" len="med"/>
+                    </a:lnL>
+                    <a:lnR w="12700" cap="flat" cmpd="sng" algn="ctr">
+                      <a:solidFill>
+                        <a:schemeClr val="bg1">
+                          <a:lumMod val="85000"/>
+                        </a:schemeClr>
+                      </a:solidFill>
+                      <a:prstDash val="solid"/>
+                      <a:round/>
+                      <a:headEnd type="none" w="med" len="med"/>
+                      <a:tailEnd type="none" w="med" len="med"/>
+                    </a:lnR>
+                    <a:lnT w="12700" cap="flat" cmpd="sng" algn="ctr">
+                      <a:solidFill>
+                        <a:schemeClr val="bg1">
+                          <a:lumMod val="85000"/>
+                        </a:schemeClr>
+                      </a:solidFill>
+                      <a:prstDash val="solid"/>
+                      <a:round/>
+                      <a:headEnd type="none" w="med" len="med"/>
+                      <a:tailEnd type="none" w="med" len="med"/>
+                    </a:lnT>
+                    <a:lnB w="12700" cap="flat" cmpd="sng" algn="ctr">
+                      <a:solidFill>
+                        <a:schemeClr val="bg1">
+                          <a:lumMod val="85000"/>
+                        </a:schemeClr>
+                      </a:solidFill>
+                      <a:prstDash val="solid"/>
+                      <a:round/>
+                      <a:headEnd type="none" w="med" len="med"/>
+                      <a:tailEnd type="none" w="med" len="med"/>
+                    </a:lnB>
+                    <a:lnTlToBr w="12700" cmpd="sng">
+                      <a:noFill/>
+                      <a:prstDash val="solid"/>
+                    </a:lnTlToBr>
+                    <a:lnBlToTr w="12700" cmpd="sng">
+                      <a:noFill/>
+                      <a:prstDash val="solid"/>
+                    </a:lnBlToTr>
+                    <a:solidFill>
+                      <a:schemeClr val="bg1"/>
+                    </a:solidFill>
+                  </a:tcPr>
+                </a:tc>
+                <a:tc>
+                  <a:txBody>
+                    <a:bodyPr/>
+                    <a:lstStyle/>
+                    <a:p>
+                      <a:pPr marL="0" marR="0" lvl="0" indent="0" algn="l" defTabSz="914400" rtl="0" eaLnBrk="1" fontAlgn="auto" latinLnBrk="0" hangingPunct="1">
+                        <a:lnSpc>
+                          <a:spcPct val="100000"/>
+                        </a:lnSpc>
+                        <a:spcBef>
+                          <a:spcPts val="0"/>
+                        </a:spcBef>
+                        <a:spcAft>
+                          <a:spcPts val="0"/>
+                        </a:spcAft>
+                        <a:buClrTx/>
+                        <a:buSzTx/>
+                        <a:buFontTx/>
+                        <a:buNone/>
+                        <a:tabLst/>
+                        <a:defRPr/>
+                      </a:pPr>
+                      <a:r>
+                        <a:rPr lang="en-US" altLang="ja-JP" sz="1200" dirty="0" smtClean="0">
+                          <a:solidFill>
+                            <a:schemeClr val="tx1"/>
+                          </a:solidFill>
+                          <a:latin typeface="+mn-lt"/>
+                        </a:rPr>
+                        <a:t>OFF</a:t>
+                      </a:r>
+                      <a:endParaRPr lang="en-US" altLang="ja-JP" sz="1200" dirty="0" smtClean="0">
+                        <a:solidFill>
+                          <a:schemeClr val="tx1"/>
+                        </a:solidFill>
+                        <a:latin typeface="+mn-lt"/>
+                      </a:endParaRPr>
+                    </a:p>
+                  </a:txBody>
+                  <a:tcPr>
+                    <a:lnL w="12700" cap="flat" cmpd="sng" algn="ctr">
+                      <a:solidFill>
+                        <a:schemeClr val="bg1">
+                          <a:lumMod val="85000"/>
+                        </a:schemeClr>
+                      </a:solidFill>
+                      <a:prstDash val="solid"/>
+                      <a:round/>
+                      <a:headEnd type="none" w="med" len="med"/>
+                      <a:tailEnd type="none" w="med" len="med"/>
+                    </a:lnL>
+                    <a:lnR w="12700" cap="flat" cmpd="sng" algn="ctr">
+                      <a:solidFill>
+                        <a:schemeClr val="bg1">
+                          <a:lumMod val="85000"/>
+                        </a:schemeClr>
+                      </a:solidFill>
+                      <a:prstDash val="solid"/>
+                      <a:round/>
+                      <a:headEnd type="none" w="med" len="med"/>
+                      <a:tailEnd type="none" w="med" len="med"/>
+                    </a:lnR>
+                    <a:lnT w="12700" cap="flat" cmpd="sng" algn="ctr">
+                      <a:solidFill>
+                        <a:schemeClr val="bg1">
+                          <a:lumMod val="85000"/>
+                        </a:schemeClr>
+                      </a:solidFill>
+                      <a:prstDash val="solid"/>
+                      <a:round/>
+                      <a:headEnd type="none" w="med" len="med"/>
+                      <a:tailEnd type="none" w="med" len="med"/>
+                    </a:lnT>
+                    <a:lnB w="12700" cap="flat" cmpd="sng" algn="ctr">
+                      <a:solidFill>
+                        <a:schemeClr val="bg1">
+                          <a:lumMod val="85000"/>
+                        </a:schemeClr>
+                      </a:solidFill>
+                      <a:prstDash val="solid"/>
+                      <a:round/>
+                      <a:headEnd type="none" w="med" len="med"/>
+                      <a:tailEnd type="none" w="med" len="med"/>
+                    </a:lnB>
+                    <a:lnTlToBr w="12700" cmpd="sng">
+                      <a:noFill/>
+                      <a:prstDash val="solid"/>
+                    </a:lnTlToBr>
+                    <a:lnBlToTr w="12700" cmpd="sng">
+                      <a:noFill/>
+                      <a:prstDash val="solid"/>
+                    </a:lnBlToTr>
+                    <a:solidFill>
+                      <a:schemeClr val="bg1"/>
+                    </a:solidFill>
+                  </a:tcPr>
+                </a:tc>
+                <a:extLst>
+                  <a:ext uri="{0D108BD9-81ED-4DB2-BD59-A6C34878D82A}">
+                    <a16:rowId xmlns:a16="http://schemas.microsoft.com/office/drawing/2014/main" val="3058864298"/>
                   </a:ext>
                 </a:extLst>
               </a:tr>
@@ -40146,7 +40357,7 @@
           </p:cNvPicPr>
           <p:nvPr/>
         </p:nvPicPr>
-        <p:blipFill>
+        <p:blipFill rotWithShape="1">
           <a:blip r:embed="rId3">
             <a:extLst>
               <a:ext uri="{28A0092B-C50C-407E-A947-70E740481C1C}">
@@ -40154,14 +40365,13 @@
               </a:ext>
             </a:extLst>
           </a:blip>
-          <a:stretch>
-            <a:fillRect/>
-          </a:stretch>
+          <a:srcRect l="11679"/>
+          <a:stretch/>
         </p:blipFill>
         <p:spPr>
           <a:xfrm>
-            <a:off x="1002086" y="2139549"/>
-            <a:ext cx="5287362" cy="2342437"/>
+            <a:off x="1619590" y="2139549"/>
+            <a:ext cx="4669858" cy="2342437"/>
           </a:xfrm>
           <a:prstGeom prst="rect">
             <a:avLst/>
@@ -43017,28 +43227,21 @@
       </p:grpSpPr>
       <p:pic>
         <p:nvPicPr>
-          <p:cNvPr id="7" name="図 6"/>
+          <p:cNvPr id="5" name="図 4"/>
           <p:cNvPicPr>
             <a:picLocks noChangeAspect="1"/>
           </p:cNvPicPr>
           <p:nvPr/>
         </p:nvPicPr>
-        <p:blipFill>
-          <a:blip r:embed="rId2">
-            <a:extLst>
-              <a:ext uri="{28A0092B-C50C-407E-A947-70E740481C1C}">
-                <a14:useLocalDpi xmlns:a14="http://schemas.microsoft.com/office/drawing/2010/main" val="0"/>
-              </a:ext>
-            </a:extLst>
-          </a:blip>
-          <a:stretch>
-            <a:fillRect/>
-          </a:stretch>
+        <p:blipFill rotWithShape="1">
+          <a:blip r:embed="rId2"/>
+          <a:srcRect r="20745" b="9993"/>
+          <a:stretch/>
         </p:blipFill>
         <p:spPr>
           <a:xfrm>
-            <a:off x="755470" y="2512667"/>
-            <a:ext cx="5851923" cy="3076634"/>
+            <a:off x="251400" y="2425696"/>
+            <a:ext cx="6480900" cy="3377828"/>
           </a:xfrm>
           <a:prstGeom prst="rect">
             <a:avLst/>
@@ -43212,8 +43415,8 @@
         </p:nvSpPr>
         <p:spPr bwMode="auto">
           <a:xfrm>
-            <a:off x="1820380" y="5389134"/>
-            <a:ext cx="1044000" cy="216000"/>
+            <a:off x="1360169" y="5513592"/>
+            <a:ext cx="979521" cy="216000"/>
           </a:xfrm>
           <a:prstGeom prst="roundRect">
             <a:avLst>
@@ -43256,7 +43459,7 @@
         </p:nvSpPr>
         <p:spPr bwMode="auto">
           <a:xfrm>
-            <a:off x="2949408" y="5343285"/>
+            <a:off x="2467198" y="5491324"/>
             <a:ext cx="301542" cy="312200"/>
           </a:xfrm>
           <a:prstGeom prst="wedgeEllipseCallout">
@@ -43367,8 +43570,8 @@
         </p:nvSpPr>
         <p:spPr bwMode="auto">
           <a:xfrm>
-            <a:off x="1151870" y="4524390"/>
-            <a:ext cx="2339980" cy="647200"/>
+            <a:off x="683460" y="4598950"/>
+            <a:ext cx="2664370" cy="702310"/>
           </a:xfrm>
           <a:prstGeom prst="roundRect">
             <a:avLst>
@@ -43416,8 +43619,8 @@
           </a:xfrm>
           <a:prstGeom prst="wedgeEllipseCallout">
             <a:avLst>
-              <a:gd name="adj1" fmla="val -157981"/>
-              <a:gd name="adj2" fmla="val 4593"/>
+              <a:gd name="adj1" fmla="val -169007"/>
+              <a:gd name="adj2" fmla="val 7256"/>
             </a:avLst>
           </a:prstGeom>
           <a:solidFill>
@@ -44794,27 +44997,21 @@
       </p:grpSpPr>
       <p:pic>
         <p:nvPicPr>
-          <p:cNvPr id="5" name="図 4"/>
+          <p:cNvPr id="3" name="図 2"/>
           <p:cNvPicPr>
             <a:picLocks noChangeAspect="1"/>
           </p:cNvPicPr>
           <p:nvPr/>
         </p:nvPicPr>
         <p:blipFill rotWithShape="1">
-          <a:blip r:embed="rId2">
-            <a:extLst>
-              <a:ext uri="{28A0092B-C50C-407E-A947-70E740481C1C}">
-                <a14:useLocalDpi xmlns:a14="http://schemas.microsoft.com/office/drawing/2010/main" val="0"/>
-              </a:ext>
-            </a:extLst>
-          </a:blip>
-          <a:srcRect r="22207"/>
+          <a:blip r:embed="rId2"/>
+          <a:srcRect l="161" r="1693" b="2505"/>
           <a:stretch/>
         </p:blipFill>
         <p:spPr>
           <a:xfrm>
-            <a:off x="787748" y="2537356"/>
-            <a:ext cx="5759001" cy="3744520"/>
+            <a:off x="406597" y="2337026"/>
+            <a:ext cx="6264870" cy="4074414"/>
           </a:xfrm>
           <a:prstGeom prst="rect">
             <a:avLst/>
@@ -44994,8 +45191,8 @@
         </p:nvSpPr>
         <p:spPr bwMode="auto">
           <a:xfrm>
-            <a:off x="1286852" y="4928616"/>
-            <a:ext cx="747126" cy="645444"/>
+            <a:off x="971500" y="4982970"/>
+            <a:ext cx="864119" cy="822359"/>
           </a:xfrm>
           <a:prstGeom prst="roundRect">
             <a:avLst>
@@ -45038,8 +45235,8 @@
         </p:nvSpPr>
         <p:spPr bwMode="auto">
           <a:xfrm>
-            <a:off x="2122814" y="6006631"/>
-            <a:ext cx="1332000" cy="288000"/>
+            <a:off x="1835620" y="6112327"/>
+            <a:ext cx="1224170" cy="197073"/>
           </a:xfrm>
           <a:prstGeom prst="roundRect">
             <a:avLst>
@@ -45082,7 +45279,7 @@
         </p:nvSpPr>
         <p:spPr bwMode="auto">
           <a:xfrm>
-            <a:off x="3589218" y="5972648"/>
+            <a:off x="3218464" y="6054763"/>
             <a:ext cx="301542" cy="312200"/>
           </a:xfrm>
           <a:prstGeom prst="wedgeEllipseCallout">
@@ -45578,8 +45775,8 @@
           </a:xfrm>
           <a:prstGeom prst="wedgeEllipseCallout">
             <a:avLst>
-              <a:gd name="adj1" fmla="val -282053"/>
-              <a:gd name="adj2" fmla="val 60966"/>
+              <a:gd name="adj1" fmla="val -337188"/>
+              <a:gd name="adj2" fmla="val 82267"/>
             </a:avLst>
           </a:prstGeom>
           <a:solidFill>
@@ -46040,27 +46237,21 @@
       </p:grpSpPr>
       <p:pic>
         <p:nvPicPr>
-          <p:cNvPr id="5" name="図 4"/>
+          <p:cNvPr id="3" name="図 2"/>
           <p:cNvPicPr>
             <a:picLocks noChangeAspect="1"/>
           </p:cNvPicPr>
           <p:nvPr/>
         </p:nvPicPr>
         <p:blipFill rotWithShape="1">
-          <a:blip r:embed="rId2">
-            <a:extLst>
-              <a:ext uri="{28A0092B-C50C-407E-A947-70E740481C1C}">
-                <a14:useLocalDpi xmlns:a14="http://schemas.microsoft.com/office/drawing/2010/main" val="0"/>
-              </a:ext>
-            </a:extLst>
-          </a:blip>
-          <a:srcRect r="18302"/>
+          <a:blip r:embed="rId2"/>
+          <a:srcRect r="1961"/>
           <a:stretch/>
         </p:blipFill>
         <p:spPr>
           <a:xfrm>
-            <a:off x="587160" y="4373364"/>
-            <a:ext cx="5940288" cy="1835876"/>
+            <a:off x="208626" y="4509347"/>
+            <a:ext cx="6958808" cy="1828800"/>
           </a:xfrm>
           <a:prstGeom prst="rect">
             <a:avLst/>
@@ -46246,8 +46437,8 @@
         </p:nvSpPr>
         <p:spPr bwMode="auto">
           <a:xfrm>
-            <a:off x="1043510" y="4783146"/>
-            <a:ext cx="5062247" cy="737065"/>
+            <a:off x="637489" y="4861803"/>
+            <a:ext cx="6382851" cy="810036"/>
           </a:xfrm>
           <a:prstGeom prst="roundRect">
             <a:avLst>
@@ -46290,8 +46481,8 @@
         </p:nvSpPr>
         <p:spPr bwMode="auto">
           <a:xfrm>
-            <a:off x="1897903" y="5820993"/>
-            <a:ext cx="1296000" cy="288000"/>
+            <a:off x="1475569" y="5970864"/>
+            <a:ext cx="1239995" cy="288000"/>
           </a:xfrm>
           <a:prstGeom prst="roundRect">
             <a:avLst>
@@ -46730,7 +46921,7 @@
         </p:nvSpPr>
         <p:spPr bwMode="auto">
           <a:xfrm>
-            <a:off x="3326745" y="5820993"/>
+            <a:off x="2867071" y="5979623"/>
             <a:ext cx="301542" cy="312200"/>
           </a:xfrm>
           <a:prstGeom prst="wedgeEllipseCallout">
@@ -46846,8 +47037,8 @@
           </a:xfrm>
           <a:prstGeom prst="wedgeEllipseCallout">
             <a:avLst>
-              <a:gd name="adj1" fmla="val -615848"/>
-              <a:gd name="adj2" fmla="val 706208"/>
+              <a:gd name="adj1" fmla="val -602064"/>
+              <a:gd name="adj2" fmla="val 690232"/>
             </a:avLst>
           </a:prstGeom>
           <a:solidFill>
